--- a/doc/fs.pptx
+++ b/doc/fs.pptx
@@ -5986,15 +5986,7 @@
                   <a:schemeClr val="tx1"/>
                 </a:solidFill>
               </a:rPr>
-              <a:t>(</a:t>
-            </a:r>
-            <a:r>
-              <a:rPr kumimoji="1" lang="en-US" altLang="zh-CN" dirty="0">
-                <a:solidFill>
-                  <a:schemeClr val="tx1"/>
-                </a:solidFill>
-              </a:rPr>
-              <a:t>through)</a:t>
+              <a:t>(through)</a:t>
             </a:r>
             <a:endParaRPr kumimoji="1" lang="zh-CN" altLang="en-US" dirty="0">
               <a:solidFill>
@@ -11767,14 +11759,14 @@
       </p:grpSpPr>
       <p:sp>
         <p:nvSpPr>
-          <p:cNvPr id="6" name="文本框 5"/>
+          <p:cNvPr id="7" name="文本框 6"/>
           <p:cNvSpPr txBox="1"/>
           <p:nvPr/>
         </p:nvSpPr>
         <p:spPr>
           <a:xfrm>
-            <a:off x="3111063" y="971915"/>
-            <a:ext cx="1681655" cy="369332"/>
+            <a:off x="1093260" y="965482"/>
+            <a:ext cx="1740722" cy="369332"/>
           </a:xfrm>
           <a:prstGeom prst="rect">
             <a:avLst/>
@@ -11796,12 +11788,8 @@
           <a:p>
             <a:pPr algn="ctr"/>
             <a:r>
-              <a:rPr kumimoji="1" lang="en-US" altLang="zh-CN" dirty="0"/>
-              <a:t>Fs</a:t>
-            </a:r>
-            <a:r>
               <a:rPr kumimoji="1" lang="zh-CN" altLang="en-US" dirty="0"/>
-              <a:t>加入链表</a:t>
+              <a:t>获取超级块</a:t>
             </a:r>
             <a:endParaRPr kumimoji="1" lang="zh-CN" altLang="en-US" dirty="0"/>
           </a:p>
@@ -11809,14 +11797,14 @@
       </p:sp>
       <p:sp>
         <p:nvSpPr>
-          <p:cNvPr id="7" name="文本框 6"/>
+          <p:cNvPr id="8" name="文本框 7"/>
           <p:cNvSpPr txBox="1"/>
           <p:nvPr/>
         </p:nvSpPr>
         <p:spPr>
           <a:xfrm>
-            <a:off x="3078270" y="1694462"/>
-            <a:ext cx="1740722" cy="369332"/>
+            <a:off x="678102" y="1688029"/>
+            <a:ext cx="2571039" cy="369332"/>
           </a:xfrm>
           <a:prstGeom prst="rect">
             <a:avLst/>
@@ -11839,7 +11827,15 @@
             <a:pPr algn="ctr"/>
             <a:r>
               <a:rPr kumimoji="1" lang="zh-CN" altLang="en-US" dirty="0"/>
-              <a:t>在内存创建</a:t>
+              <a:t>调用</a:t>
+            </a:r>
+            <a:r>
+              <a:rPr kumimoji="1" lang="en-US" altLang="zh-CN" dirty="0" err="1"/>
+              <a:t>read_super</a:t>
+            </a:r>
+            <a:r>
+              <a:rPr kumimoji="1" lang="zh-CN" altLang="en-US" dirty="0"/>
+              <a:t>初始化</a:t>
             </a:r>
             <a:r>
               <a:rPr kumimoji="1" lang="en-US" altLang="zh-CN" dirty="0" err="1"/>
@@ -11851,14 +11847,14 @@
       </p:sp>
       <p:sp>
         <p:nvSpPr>
-          <p:cNvPr id="8" name="文本框 7"/>
+          <p:cNvPr id="9" name="文本框 8"/>
           <p:cNvSpPr txBox="1"/>
           <p:nvPr/>
         </p:nvSpPr>
         <p:spPr>
           <a:xfrm>
-            <a:off x="2663112" y="2417009"/>
-            <a:ext cx="2571039" cy="369332"/>
+            <a:off x="1088000" y="2410576"/>
+            <a:ext cx="1740722" cy="369332"/>
           </a:xfrm>
           <a:prstGeom prst="rect">
             <a:avLst/>
@@ -11880,145 +11876,17 @@
           <a:p>
             <a:pPr algn="ctr"/>
             <a:r>
-              <a:rPr kumimoji="1" lang="zh-CN" altLang="en-US" dirty="0"/>
-              <a:t>调用</a:t>
-            </a:r>
-            <a:r>
-              <a:rPr kumimoji="1" lang="en-US" altLang="zh-CN" dirty="0" err="1"/>
-              <a:t>read_super</a:t>
-            </a:r>
-            <a:r>
-              <a:rPr kumimoji="1" lang="zh-CN" altLang="en-US" dirty="0"/>
-              <a:t>初始化</a:t>
-            </a:r>
-            <a:r>
-              <a:rPr kumimoji="1" lang="en-US" altLang="zh-CN" dirty="0" err="1"/>
-              <a:t>sb</a:t>
-            </a:r>
-            <a:endParaRPr kumimoji="1" lang="zh-CN" altLang="en-US" dirty="0"/>
-          </a:p>
-        </p:txBody>
-      </p:sp>
-      <p:sp>
-        <p:nvSpPr>
-          <p:cNvPr id="9" name="文本框 8"/>
-          <p:cNvSpPr txBox="1"/>
-          <p:nvPr/>
-        </p:nvSpPr>
-        <p:spPr>
-          <a:xfrm>
-            <a:off x="3073010" y="3139556"/>
-            <a:ext cx="1740722" cy="369332"/>
-          </a:xfrm>
-          <a:prstGeom prst="rect">
-            <a:avLst/>
-          </a:prstGeom>
-          <a:solidFill>
-            <a:schemeClr val="bg1"/>
-          </a:solidFill>
-          <a:ln>
-            <a:solidFill>
-              <a:schemeClr val="tx1"/>
-            </a:solidFill>
-          </a:ln>
-        </p:spPr>
-        <p:txBody>
-          <a:bodyPr wrap="none" rtlCol="0">
-            <a:noAutofit/>
-          </a:bodyPr>
-          <a:lstStyle/>
-          <a:p>
-            <a:pPr algn="ctr"/>
-            <a:r>
-              <a:rPr kumimoji="1" lang="zh-CN" altLang="en-US" dirty="0"/>
-              <a:t>将</a:t>
-            </a:r>
-            <a:r>
-              <a:rPr kumimoji="1" lang="en-US" altLang="zh-CN" dirty="0" err="1"/>
-              <a:t>sb</a:t>
-            </a:r>
-            <a:r>
-              <a:rPr kumimoji="1" lang="zh-CN" altLang="en-US" dirty="0"/>
-              <a:t>加入链表</a:t>
-            </a:r>
-            <a:endParaRPr kumimoji="1" lang="zh-CN" altLang="en-US" dirty="0"/>
-          </a:p>
-        </p:txBody>
-      </p:sp>
-      <p:sp>
-        <p:nvSpPr>
-          <p:cNvPr id="11" name="文本框 10"/>
-          <p:cNvSpPr txBox="1"/>
-          <p:nvPr/>
-        </p:nvSpPr>
-        <p:spPr>
-          <a:xfrm>
-            <a:off x="3073010" y="3911989"/>
-            <a:ext cx="1740722" cy="369332"/>
-          </a:xfrm>
-          <a:prstGeom prst="rect">
-            <a:avLst/>
-          </a:prstGeom>
-          <a:solidFill>
-            <a:schemeClr val="bg1"/>
-          </a:solidFill>
-          <a:ln>
-            <a:solidFill>
-              <a:schemeClr val="tx1"/>
-            </a:solidFill>
-          </a:ln>
-        </p:spPr>
-        <p:txBody>
-          <a:bodyPr wrap="none" rtlCol="0">
-            <a:noAutofit/>
-          </a:bodyPr>
-          <a:lstStyle/>
-          <a:p>
-            <a:pPr algn="ctr"/>
-            <a:r>
-              <a:rPr kumimoji="1" lang="zh-CN" altLang="en-US" dirty="0"/>
-              <a:t>创建根节点</a:t>
-            </a:r>
-            <a:endParaRPr kumimoji="1" lang="zh-CN" altLang="en-US" dirty="0"/>
-          </a:p>
-        </p:txBody>
-      </p:sp>
-      <p:cxnSp>
-        <p:nvCxnSpPr>
-          <p:cNvPr id="12" name="直线箭头连接符 11"/>
-          <p:cNvCxnSpPr>
-            <a:stCxn id="6" idx="2"/>
-            <a:endCxn id="7" idx="0"/>
-          </p:cNvCxnSpPr>
-          <p:nvPr/>
-        </p:nvCxnSpPr>
-        <p:spPr>
-          <a:xfrm flipH="1">
-            <a:off x="3948631" y="1341247"/>
-            <a:ext cx="3260" cy="353215"/>
-          </a:xfrm>
-          <a:prstGeom prst="straightConnector1">
-            <a:avLst/>
-          </a:prstGeom>
-          <a:ln>
-            <a:tailEnd type="triangle"/>
-          </a:ln>
-        </p:spPr>
-        <p:style>
-          <a:lnRef idx="1">
-            <a:schemeClr val="accent1"/>
-          </a:lnRef>
-          <a:fillRef idx="0">
-            <a:schemeClr val="accent1"/>
-          </a:fillRef>
-          <a:effectRef idx="0">
-            <a:schemeClr val="accent1"/>
-          </a:effectRef>
-          <a:fontRef idx="minor">
-            <a:schemeClr val="tx1"/>
-          </a:fontRef>
-        </p:style>
-      </p:cxnSp>
+              <a:rPr kumimoji="1" lang="zh-CN" dirty="0"/>
+              <a:t>返回</a:t>
+            </a:r>
+            <a:r>
+              <a:rPr kumimoji="1" lang="en-US" altLang="zh-CN" dirty="0"/>
+              <a:t>sb-&gt;s_root</a:t>
+            </a:r>
+            <a:endParaRPr kumimoji="1" lang="en-US" altLang="zh-CN" dirty="0"/>
+          </a:p>
+        </p:txBody>
+      </p:sp>
       <p:cxnSp>
         <p:nvCxnSpPr>
           <p:cNvPr id="13" name="直线箭头连接符 12"/>
@@ -12030,8 +11898,8 @@
         </p:nvCxnSpPr>
         <p:spPr>
           <a:xfrm>
-            <a:off x="3948631" y="2063794"/>
-            <a:ext cx="1" cy="353215"/>
+            <a:off x="1964256" y="1334814"/>
+            <a:ext cx="0" cy="353060"/>
           </a:xfrm>
           <a:prstGeom prst="straightConnector1">
             <a:avLst/>
@@ -12066,8 +11934,8 @@
         </p:nvCxnSpPr>
         <p:spPr>
           <a:xfrm flipH="1">
-            <a:off x="3943371" y="2786341"/>
-            <a:ext cx="5261" cy="353215"/>
+            <a:off x="1958542" y="2057361"/>
+            <a:ext cx="5715" cy="353060"/>
           </a:xfrm>
           <a:prstGeom prst="straightConnector1">
             <a:avLst/>
@@ -12091,116 +11959,6 @@
           </a:fontRef>
         </p:style>
       </p:cxnSp>
-      <p:cxnSp>
-        <p:nvCxnSpPr>
-          <p:cNvPr id="16" name="直线箭头连接符 15"/>
-          <p:cNvCxnSpPr>
-            <a:endCxn id="11" idx="0"/>
-          </p:cNvCxnSpPr>
-          <p:nvPr/>
-        </p:nvCxnSpPr>
-        <p:spPr>
-          <a:xfrm>
-            <a:off x="3943371" y="3495866"/>
-            <a:ext cx="0" cy="416123"/>
-          </a:xfrm>
-          <a:prstGeom prst="straightConnector1">
-            <a:avLst/>
-          </a:prstGeom>
-          <a:ln>
-            <a:tailEnd type="triangle"/>
-          </a:ln>
-        </p:spPr>
-        <p:style>
-          <a:lnRef idx="1">
-            <a:schemeClr val="accent1"/>
-          </a:lnRef>
-          <a:fillRef idx="0">
-            <a:schemeClr val="accent1"/>
-          </a:fillRef>
-          <a:effectRef idx="0">
-            <a:schemeClr val="accent1"/>
-          </a:effectRef>
-          <a:fontRef idx="minor">
-            <a:schemeClr val="tx1"/>
-          </a:fontRef>
-        </p:style>
-      </p:cxnSp>
-      <p:cxnSp>
-        <p:nvCxnSpPr>
-          <p:cNvPr id="18" name="肘形连接符 17"/>
-          <p:cNvCxnSpPr>
-            <a:stCxn id="11" idx="2"/>
-          </p:cNvCxnSpPr>
-          <p:nvPr/>
-        </p:nvCxnSpPr>
-        <p:spPr>
-          <a:xfrm rot="5400000">
-            <a:off x="3766221" y="4457383"/>
-            <a:ext cx="353213" cy="1089"/>
-          </a:xfrm>
-          <a:prstGeom prst="bentConnector3">
-            <a:avLst>
-              <a:gd name="adj1" fmla="val 50000"/>
-            </a:avLst>
-          </a:prstGeom>
-          <a:ln>
-            <a:tailEnd type="triangle"/>
-          </a:ln>
-        </p:spPr>
-        <p:style>
-          <a:lnRef idx="1">
-            <a:schemeClr val="accent1"/>
-          </a:lnRef>
-          <a:fillRef idx="0">
-            <a:schemeClr val="accent1"/>
-          </a:fillRef>
-          <a:effectRef idx="0">
-            <a:schemeClr val="accent1"/>
-          </a:effectRef>
-          <a:fontRef idx="minor">
-            <a:schemeClr val="tx1"/>
-          </a:fontRef>
-        </p:style>
-      </p:cxnSp>
-      <p:sp>
-        <p:nvSpPr>
-          <p:cNvPr id="19" name="文本框 18"/>
-          <p:cNvSpPr txBox="1"/>
-          <p:nvPr/>
-        </p:nvSpPr>
-        <p:spPr>
-          <a:xfrm>
-            <a:off x="3071919" y="4634534"/>
-            <a:ext cx="1740722" cy="369332"/>
-          </a:xfrm>
-          <a:prstGeom prst="rect">
-            <a:avLst/>
-          </a:prstGeom>
-          <a:solidFill>
-            <a:schemeClr val="bg1"/>
-          </a:solidFill>
-          <a:ln>
-            <a:solidFill>
-              <a:schemeClr val="tx1"/>
-            </a:solidFill>
-          </a:ln>
-        </p:spPr>
-        <p:txBody>
-          <a:bodyPr wrap="none" rtlCol="0" anchor="ctr">
-            <a:noAutofit/>
-          </a:bodyPr>
-          <a:lstStyle/>
-          <a:p>
-            <a:pPr algn="ctr"/>
-            <a:r>
-              <a:rPr kumimoji="1" lang="zh-CN" altLang="en-US" dirty="0"/>
-              <a:t>创建根目录</a:t>
-            </a:r>
-            <a:endParaRPr kumimoji="1" lang="zh-CN" altLang="en-US" dirty="0"/>
-          </a:p>
-        </p:txBody>
-      </p:sp>
       <p:sp>
         <p:nvSpPr>
           <p:cNvPr id="23" name="文本框 22"/>
@@ -12277,8 +12035,8 @@
         </p:nvSpPr>
         <p:spPr>
           <a:xfrm>
-            <a:off x="3184635" y="434034"/>
-            <a:ext cx="1628006" cy="369332"/>
+            <a:off x="-8255" y="3175"/>
+            <a:ext cx="4154805" cy="368300"/>
           </a:xfrm>
           <a:prstGeom prst="rect">
             <a:avLst/>
@@ -12294,6 +12052,18 @@
             <a:r>
               <a:rPr kumimoji="1" lang="en-US" altLang="zh-CN" dirty="0"/>
               <a:t>mount</a:t>
+            </a:r>
+            <a:r>
+              <a:rPr kumimoji="1" lang="zh-CN" altLang="en-US" dirty="0"/>
+              <a:t>（</a:t>
+            </a:r>
+            <a:r>
+              <a:rPr kumimoji="1" lang="en-US" altLang="zh-CN" dirty="0"/>
+              <a:t>fs_type, flag, fs_name, data</a:t>
+            </a:r>
+            <a:r>
+              <a:rPr kumimoji="1" lang="zh-CN" altLang="en-US" dirty="0"/>
+              <a:t>）</a:t>
             </a:r>
             <a:endParaRPr kumimoji="1" lang="zh-CN" altLang="en-US" dirty="0"/>
           </a:p>
@@ -12558,57 +12328,13 @@
       </p:grpSpPr>
       <p:sp>
         <p:nvSpPr>
-          <p:cNvPr id="29" name="文本框 28"/>
-          <p:cNvSpPr txBox="1"/>
-          <p:nvPr/>
-        </p:nvSpPr>
-        <p:spPr>
-          <a:xfrm>
-            <a:off x="4193582" y="1315128"/>
-            <a:ext cx="1818291" cy="255830"/>
-          </a:xfrm>
-          <a:prstGeom prst="rect">
-            <a:avLst/>
-          </a:prstGeom>
-          <a:solidFill>
-            <a:schemeClr val="bg1"/>
-          </a:solidFill>
-          <a:ln>
-            <a:solidFill>
-              <a:schemeClr val="tx1"/>
-            </a:solidFill>
-          </a:ln>
-        </p:spPr>
-        <p:txBody>
-          <a:bodyPr wrap="none" rtlCol="0">
-            <a:noAutofit/>
-          </a:bodyPr>
-          <a:lstStyle>
-            <a:defPPr>
-              <a:defRPr lang="zh-CN"/>
-            </a:defPPr>
-            <a:lvl1pPr algn="ctr">
-              <a:defRPr kumimoji="1"/>
-            </a:lvl1pPr>
-          </a:lstStyle>
-          <a:p>
-            <a:r>
-              <a:rPr lang="zh-CN" altLang="en-US" sz="1200" dirty="0"/>
-              <a:t>取该文件系统超级块</a:t>
-            </a:r>
-            <a:endParaRPr lang="en-US" altLang="zh-CN" sz="1200" dirty="0"/>
-          </a:p>
-        </p:txBody>
-      </p:sp>
-      <p:sp>
-        <p:nvSpPr>
           <p:cNvPr id="31" name="文本框 30"/>
           <p:cNvSpPr txBox="1"/>
           <p:nvPr/>
         </p:nvSpPr>
         <p:spPr>
           <a:xfrm>
-            <a:off x="199654" y="587638"/>
+            <a:off x="199654" y="729878"/>
             <a:ext cx="1177840" cy="255830"/>
           </a:xfrm>
           <a:prstGeom prst="rect">
@@ -12646,8 +12372,8 @@
         </p:nvSpPr>
         <p:spPr>
           <a:xfrm>
-            <a:off x="1818247" y="587638"/>
-            <a:ext cx="3047659" cy="248549"/>
+            <a:off x="2131060" y="729615"/>
+            <a:ext cx="2722880" cy="248285"/>
           </a:xfrm>
           <a:prstGeom prst="rect">
             <a:avLst/>
@@ -12687,12 +12413,12 @@
         </p:nvCxnSpPr>
         <p:spPr>
           <a:xfrm flipV="1">
-            <a:off x="1377315" y="711835"/>
-            <a:ext cx="440690" cy="3810"/>
+            <a:off x="1377315" y="854075"/>
+            <a:ext cx="753745" cy="3810"/>
           </a:xfrm>
           <a:prstGeom prst="curvedConnector3">
             <a:avLst>
-              <a:gd name="adj1" fmla="val 50000"/>
+              <a:gd name="adj1" fmla="val 50042"/>
             </a:avLst>
           </a:prstGeom>
           <a:ln>
@@ -12722,7 +12448,7 @@
         </p:nvSpPr>
         <p:spPr>
           <a:xfrm>
-            <a:off x="199654" y="1140608"/>
+            <a:off x="199654" y="1282848"/>
             <a:ext cx="1177840" cy="255830"/>
           </a:xfrm>
           <a:prstGeom prst="rect">
@@ -12763,7 +12489,7 @@
         </p:nvCxnSpPr>
         <p:spPr>
           <a:xfrm rot="5400000">
-            <a:off x="640080" y="991870"/>
+            <a:off x="640080" y="1144270"/>
             <a:ext cx="297180" cy="3175"/>
           </a:xfrm>
           <a:prstGeom prst="curvedConnector2">
@@ -12796,8 +12522,8 @@
         </p:nvSpPr>
         <p:spPr>
           <a:xfrm>
-            <a:off x="1744675" y="957775"/>
-            <a:ext cx="1884542" cy="255830"/>
+            <a:off x="2131060" y="1282700"/>
+            <a:ext cx="1979295" cy="255905"/>
           </a:xfrm>
           <a:prstGeom prst="rect">
             <a:avLst/>
@@ -12820,7 +12546,15 @@
             <a:pPr algn="ctr"/>
             <a:r>
               <a:rPr kumimoji="1" lang="zh-CN" altLang="en-US" sz="1200" dirty="0"/>
-              <a:t>从</a:t>
+              <a:t>根据</a:t>
+            </a:r>
+            <a:r>
+              <a:rPr kumimoji="1" lang="en-US" altLang="zh-CN" sz="1200" dirty="0"/>
+              <a:t>fs_type</a:t>
+            </a:r>
+            <a:r>
+              <a:rPr kumimoji="1" lang="zh-CN" altLang="en-US" sz="1200" dirty="0"/>
+              <a:t>找到</a:t>
             </a:r>
             <a:r>
               <a:rPr kumimoji="1" lang="en-US" altLang="zh-CN" sz="1200" dirty="0"/>
@@ -12828,15 +12562,7 @@
             </a:r>
             <a:r>
               <a:rPr kumimoji="1" lang="zh-CN" altLang="en-US" sz="1200" dirty="0"/>
-              <a:t>链表中查找</a:t>
-            </a:r>
-            <a:r>
-              <a:rPr kumimoji="1" lang="en-US" altLang="zh-CN" sz="1200" dirty="0"/>
-              <a:t>fs</a:t>
-            </a:r>
-            <a:r>
-              <a:rPr kumimoji="1" lang="zh-CN" altLang="en-US" sz="1200" dirty="0"/>
-              <a:t>类型</a:t>
+              <a:t>结构</a:t>
             </a:r>
             <a:endParaRPr kumimoji="1" lang="zh-CN" altLang="en-US" sz="1200" dirty="0"/>
           </a:p>
@@ -12850,8 +12576,8 @@
         </p:nvSpPr>
         <p:spPr>
           <a:xfrm>
-            <a:off x="1734164" y="1315128"/>
-            <a:ext cx="1884542" cy="255830"/>
+            <a:off x="2131060" y="1640205"/>
+            <a:ext cx="1979295" cy="255905"/>
           </a:xfrm>
           <a:prstGeom prst="rect">
             <a:avLst/>
@@ -12873,26 +12599,22 @@
           <a:p>
             <a:pPr algn="ctr"/>
             <a:r>
+              <a:rPr kumimoji="1" lang="zh-CN" sz="1200" dirty="0"/>
+              <a:t>根据</a:t>
+            </a:r>
+            <a:r>
+              <a:rPr kumimoji="1" lang="en-US" altLang="zh-CN" sz="1200" dirty="0"/>
+              <a:t>dir_name</a:t>
+            </a:r>
+            <a:r>
               <a:rPr kumimoji="1" lang="zh-CN" altLang="en-US" sz="1200" dirty="0"/>
-              <a:t>从</a:t>
+              <a:t>找到</a:t>
             </a:r>
             <a:r>
               <a:rPr kumimoji="1" lang="en-US" altLang="zh-CN" sz="1200" dirty="0"/>
-              <a:t>fs</a:t>
-            </a:r>
-            <a:r>
-              <a:rPr kumimoji="1" lang="zh-CN" altLang="en-US" sz="1200" dirty="0"/>
-              <a:t>类型的到</a:t>
-            </a:r>
-            <a:r>
-              <a:rPr kumimoji="1" lang="en-US" altLang="zh-CN" sz="1200" dirty="0"/>
-              <a:t>mount</a:t>
-            </a:r>
-            <a:r>
-              <a:rPr kumimoji="1" lang="zh-CN" altLang="en-US" sz="1200" dirty="0"/>
-              <a:t>，执行</a:t>
-            </a:r>
-            <a:endParaRPr kumimoji="1" lang="zh-CN" altLang="en-US" sz="1200" dirty="0"/>
+              <a:t>path</a:t>
+            </a:r>
+            <a:endParaRPr kumimoji="1" lang="en-US" altLang="zh-CN" sz="1200" dirty="0"/>
           </a:p>
         </p:txBody>
       </p:sp>
@@ -12906,14 +12628,12 @@
           <p:nvPr/>
         </p:nvCxnSpPr>
         <p:spPr>
-          <a:xfrm flipV="1">
-            <a:off x="1377315" y="1085850"/>
-            <a:ext cx="367665" cy="182880"/>
-          </a:xfrm>
-          <a:prstGeom prst="curvedConnector3">
-            <a:avLst>
-              <a:gd name="adj1" fmla="val 50086"/>
-            </a:avLst>
+          <a:xfrm>
+            <a:off x="1377315" y="1410970"/>
+            <a:ext cx="753745" cy="3175"/>
+          </a:xfrm>
+          <a:prstGeom prst="curvedConnector2">
+            <a:avLst/>
           </a:prstGeom>
           <a:ln>
             <a:tailEnd type="triangle"/>
@@ -12945,12 +12665,12 @@
         </p:nvCxnSpPr>
         <p:spPr>
           <a:xfrm>
-            <a:off x="1377315" y="1268730"/>
-            <a:ext cx="356870" cy="174625"/>
+            <a:off x="1377315" y="1410970"/>
+            <a:ext cx="753745" cy="357505"/>
           </a:xfrm>
           <a:prstGeom prst="curvedConnector3">
             <a:avLst>
-              <a:gd name="adj1" fmla="val 50000"/>
+              <a:gd name="adj1" fmla="val 50042"/>
             </a:avLst>
           </a:prstGeom>
           <a:ln>
@@ -12972,52 +12692,16 @@
           </a:fontRef>
         </p:style>
       </p:cxnSp>
-      <p:cxnSp>
-        <p:nvCxnSpPr>
-          <p:cNvPr id="61" name="曲线连接符 60"/>
-          <p:cNvCxnSpPr>
-            <a:stCxn id="54" idx="3"/>
-            <a:endCxn id="29" idx="1"/>
-          </p:cNvCxnSpPr>
-          <p:nvPr/>
-        </p:nvCxnSpPr>
-        <p:spPr>
-          <a:xfrm>
-            <a:off x="3618865" y="1443355"/>
-            <a:ext cx="574675" cy="3175"/>
-          </a:xfrm>
-          <a:prstGeom prst="curvedConnector2">
-            <a:avLst/>
-          </a:prstGeom>
-          <a:ln>
-            <a:tailEnd type="triangle"/>
-          </a:ln>
-        </p:spPr>
-        <p:style>
-          <a:lnRef idx="1">
-            <a:schemeClr val="accent1"/>
-          </a:lnRef>
-          <a:fillRef idx="0">
-            <a:schemeClr val="accent1"/>
-          </a:fillRef>
-          <a:effectRef idx="0">
-            <a:schemeClr val="accent1"/>
-          </a:effectRef>
-          <a:fontRef idx="minor">
-            <a:schemeClr val="tx1"/>
-          </a:fontRef>
-        </p:style>
-      </p:cxnSp>
-      <p:sp>
-        <p:nvSpPr>
-          <p:cNvPr id="65" name="文本框 64"/>
+      <p:sp>
+        <p:nvSpPr>
+          <p:cNvPr id="86" name="文本框 85"/>
           <p:cNvSpPr txBox="1"/>
           <p:nvPr/>
         </p:nvSpPr>
         <p:spPr>
           <a:xfrm>
-            <a:off x="4193582" y="1731584"/>
-            <a:ext cx="1818291" cy="255830"/>
+            <a:off x="4853982" y="3784889"/>
+            <a:ext cx="6758153" cy="2495085"/>
           </a:xfrm>
           <a:prstGeom prst="rect">
             <a:avLst/>
@@ -13044,252 +12728,6 @@
             </a:lvl1pPr>
           </a:lstStyle>
           <a:p>
-            <a:r>
-              <a:rPr lang="zh-CN" altLang="en-US" sz="1200" dirty="0"/>
-              <a:t>找到挂载点</a:t>
-            </a:r>
-            <a:endParaRPr lang="en-US" altLang="zh-CN" sz="1200" dirty="0"/>
-          </a:p>
-        </p:txBody>
-      </p:sp>
-      <p:cxnSp>
-        <p:nvCxnSpPr>
-          <p:cNvPr id="66" name="曲线连接符 65"/>
-          <p:cNvCxnSpPr>
-            <a:stCxn id="54" idx="3"/>
-            <a:endCxn id="65" idx="1"/>
-          </p:cNvCxnSpPr>
-          <p:nvPr/>
-        </p:nvCxnSpPr>
-        <p:spPr>
-          <a:xfrm>
-            <a:off x="3618865" y="1443355"/>
-            <a:ext cx="574675" cy="416560"/>
-          </a:xfrm>
-          <a:prstGeom prst="curvedConnector3">
-            <a:avLst>
-              <a:gd name="adj1" fmla="val 50055"/>
-            </a:avLst>
-          </a:prstGeom>
-          <a:ln>
-            <a:tailEnd type="triangle"/>
-          </a:ln>
-        </p:spPr>
-        <p:style>
-          <a:lnRef idx="1">
-            <a:schemeClr val="accent1"/>
-          </a:lnRef>
-          <a:fillRef idx="0">
-            <a:schemeClr val="accent1"/>
-          </a:fillRef>
-          <a:effectRef idx="0">
-            <a:schemeClr val="accent1"/>
-          </a:effectRef>
-          <a:fontRef idx="minor">
-            <a:schemeClr val="tx1"/>
-          </a:fontRef>
-        </p:style>
-      </p:cxnSp>
-      <p:sp>
-        <p:nvSpPr>
-          <p:cNvPr id="71" name="文本框 70"/>
-          <p:cNvSpPr txBox="1"/>
-          <p:nvPr/>
-        </p:nvSpPr>
-        <p:spPr>
-          <a:xfrm>
-            <a:off x="6586751" y="1334552"/>
-            <a:ext cx="1420769" cy="255830"/>
-          </a:xfrm>
-          <a:prstGeom prst="rect">
-            <a:avLst/>
-          </a:prstGeom>
-          <a:solidFill>
-            <a:schemeClr val="bg1"/>
-          </a:solidFill>
-          <a:ln>
-            <a:solidFill>
-              <a:schemeClr val="tx1"/>
-            </a:solidFill>
-          </a:ln>
-        </p:spPr>
-        <p:txBody>
-          <a:bodyPr wrap="none" rtlCol="0">
-            <a:noAutofit/>
-          </a:bodyPr>
-          <a:lstStyle>
-            <a:defPPr>
-              <a:defRPr lang="zh-CN"/>
-            </a:defPPr>
-            <a:lvl1pPr algn="ctr">
-              <a:defRPr kumimoji="1"/>
-            </a:lvl1pPr>
-          </a:lstStyle>
-          <a:p>
-            <a:r>
-              <a:rPr lang="zh-CN" altLang="en-US" sz="1200" dirty="0"/>
-              <a:t>读磁盘</a:t>
-            </a:r>
-            <a:endParaRPr lang="en-US" altLang="zh-CN" sz="1200" dirty="0"/>
-          </a:p>
-        </p:txBody>
-      </p:sp>
-      <p:sp>
-        <p:nvSpPr>
-          <p:cNvPr id="73" name="文本框 72"/>
-          <p:cNvSpPr txBox="1"/>
-          <p:nvPr/>
-        </p:nvSpPr>
-        <p:spPr>
-          <a:xfrm>
-            <a:off x="6586751" y="1684791"/>
-            <a:ext cx="1420769" cy="255830"/>
-          </a:xfrm>
-          <a:prstGeom prst="rect">
-            <a:avLst/>
-          </a:prstGeom>
-          <a:solidFill>
-            <a:schemeClr val="bg1"/>
-          </a:solidFill>
-          <a:ln>
-            <a:solidFill>
-              <a:schemeClr val="tx1"/>
-            </a:solidFill>
-          </a:ln>
-        </p:spPr>
-        <p:txBody>
-          <a:bodyPr wrap="none" rtlCol="0">
-            <a:noAutofit/>
-          </a:bodyPr>
-          <a:lstStyle>
-            <a:defPPr>
-              <a:defRPr lang="zh-CN"/>
-            </a:defPPr>
-            <a:lvl1pPr algn="ctr">
-              <a:defRPr kumimoji="1"/>
-            </a:lvl1pPr>
-          </a:lstStyle>
-          <a:p>
-            <a:r>
-              <a:rPr lang="zh-CN" altLang="en-US" sz="1200" dirty="0"/>
-              <a:t>接口函数生成</a:t>
-            </a:r>
-            <a:endParaRPr lang="en-US" altLang="zh-CN" sz="1200" dirty="0"/>
-          </a:p>
-        </p:txBody>
-      </p:sp>
-      <p:cxnSp>
-        <p:nvCxnSpPr>
-          <p:cNvPr id="74" name="曲线连接符 73"/>
-          <p:cNvCxnSpPr>
-            <a:stCxn id="29" idx="3"/>
-            <a:endCxn id="73" idx="1"/>
-          </p:cNvCxnSpPr>
-          <p:nvPr/>
-        </p:nvCxnSpPr>
-        <p:spPr>
-          <a:xfrm>
-            <a:off x="6011545" y="1443355"/>
-            <a:ext cx="575310" cy="369570"/>
-          </a:xfrm>
-          <a:prstGeom prst="curvedConnector3">
-            <a:avLst>
-              <a:gd name="adj1" fmla="val 50000"/>
-            </a:avLst>
-          </a:prstGeom>
-          <a:ln>
-            <a:tailEnd type="triangle"/>
-          </a:ln>
-        </p:spPr>
-        <p:style>
-          <a:lnRef idx="1">
-            <a:schemeClr val="accent1"/>
-          </a:lnRef>
-          <a:fillRef idx="0">
-            <a:schemeClr val="accent1"/>
-          </a:fillRef>
-          <a:effectRef idx="0">
-            <a:schemeClr val="accent1"/>
-          </a:effectRef>
-          <a:fontRef idx="minor">
-            <a:schemeClr val="tx1"/>
-          </a:fontRef>
-        </p:style>
-      </p:cxnSp>
-      <p:cxnSp>
-        <p:nvCxnSpPr>
-          <p:cNvPr id="77" name="曲线连接符 76"/>
-          <p:cNvCxnSpPr>
-            <a:stCxn id="29" idx="3"/>
-            <a:endCxn id="71" idx="1"/>
-          </p:cNvCxnSpPr>
-          <p:nvPr/>
-        </p:nvCxnSpPr>
-        <p:spPr>
-          <a:xfrm>
-            <a:off x="6011545" y="1443355"/>
-            <a:ext cx="575310" cy="19685"/>
-          </a:xfrm>
-          <a:prstGeom prst="curvedConnector3">
-            <a:avLst>
-              <a:gd name="adj1" fmla="val 50000"/>
-            </a:avLst>
-          </a:prstGeom>
-          <a:ln>
-            <a:tailEnd type="triangle"/>
-          </a:ln>
-        </p:spPr>
-        <p:style>
-          <a:lnRef idx="1">
-            <a:schemeClr val="accent1"/>
-          </a:lnRef>
-          <a:fillRef idx="0">
-            <a:schemeClr val="accent1"/>
-          </a:fillRef>
-          <a:effectRef idx="0">
-            <a:schemeClr val="accent1"/>
-          </a:effectRef>
-          <a:fontRef idx="minor">
-            <a:schemeClr val="tx1"/>
-          </a:fontRef>
-        </p:style>
-      </p:cxnSp>
-      <p:sp>
-        <p:nvSpPr>
-          <p:cNvPr id="86" name="文本框 85"/>
-          <p:cNvSpPr txBox="1"/>
-          <p:nvPr/>
-        </p:nvSpPr>
-        <p:spPr>
-          <a:xfrm>
-            <a:off x="4193582" y="3032414"/>
-            <a:ext cx="6758153" cy="2495085"/>
-          </a:xfrm>
-          <a:prstGeom prst="rect">
-            <a:avLst/>
-          </a:prstGeom>
-          <a:solidFill>
-            <a:schemeClr val="bg1"/>
-          </a:solidFill>
-          <a:ln>
-            <a:solidFill>
-              <a:schemeClr val="tx1"/>
-            </a:solidFill>
-          </a:ln>
-        </p:spPr>
-        <p:txBody>
-          <a:bodyPr wrap="none" rtlCol="0">
-            <a:noAutofit/>
-          </a:bodyPr>
-          <a:lstStyle>
-            <a:defPPr>
-              <a:defRPr lang="zh-CN"/>
-            </a:defPPr>
-            <a:lvl1pPr algn="ctr">
-              <a:defRPr kumimoji="1"/>
-            </a:lvl1pPr>
-          </a:lstStyle>
-          <a:p>
             <a:pPr algn="l"/>
             <a:r>
               <a:rPr lang="en-US" altLang="zh-CN" sz="1200" dirty="0"/>
@@ -13593,185 +13031,13 @@
       </p:sp>
       <p:sp>
         <p:nvSpPr>
-          <p:cNvPr id="96" name="文本框 95"/>
-          <p:cNvSpPr txBox="1"/>
-          <p:nvPr/>
-        </p:nvSpPr>
-        <p:spPr>
-          <a:xfrm>
-            <a:off x="4193582" y="2148040"/>
-            <a:ext cx="1818291" cy="255830"/>
-          </a:xfrm>
-          <a:prstGeom prst="rect">
-            <a:avLst/>
-          </a:prstGeom>
-          <a:solidFill>
-            <a:schemeClr val="bg1"/>
-          </a:solidFill>
-          <a:ln>
-            <a:solidFill>
-              <a:schemeClr val="tx1"/>
-            </a:solidFill>
-          </a:ln>
-        </p:spPr>
-        <p:txBody>
-          <a:bodyPr wrap="none" rtlCol="0">
-            <a:noAutofit/>
-          </a:bodyPr>
-          <a:lstStyle>
-            <a:defPPr>
-              <a:defRPr lang="zh-CN"/>
-            </a:defPPr>
-            <a:lvl1pPr algn="ctr">
-              <a:defRPr kumimoji="1"/>
-            </a:lvl1pPr>
-          </a:lstStyle>
-          <a:p>
-            <a:r>
-              <a:rPr lang="zh-CN" altLang="en-US" sz="1200" dirty="0"/>
-              <a:t>修改挂载点超级块</a:t>
-            </a:r>
-            <a:endParaRPr lang="en-US" altLang="zh-CN" sz="1200" dirty="0"/>
-          </a:p>
-        </p:txBody>
-      </p:sp>
-      <p:sp>
-        <p:nvSpPr>
-          <p:cNvPr id="97" name="文本框 96"/>
-          <p:cNvSpPr txBox="1"/>
-          <p:nvPr/>
-        </p:nvSpPr>
-        <p:spPr>
-          <a:xfrm>
-            <a:off x="4193582" y="2564497"/>
-            <a:ext cx="1818291" cy="255830"/>
-          </a:xfrm>
-          <a:prstGeom prst="rect">
-            <a:avLst/>
-          </a:prstGeom>
-          <a:solidFill>
-            <a:schemeClr val="bg1"/>
-          </a:solidFill>
-          <a:ln>
-            <a:solidFill>
-              <a:schemeClr val="tx1"/>
-            </a:solidFill>
-          </a:ln>
-        </p:spPr>
-        <p:txBody>
-          <a:bodyPr wrap="none" rtlCol="0">
-            <a:noAutofit/>
-          </a:bodyPr>
-          <a:lstStyle>
-            <a:defPPr>
-              <a:defRPr lang="zh-CN"/>
-            </a:defPPr>
-            <a:lvl1pPr algn="ctr">
-              <a:defRPr kumimoji="1"/>
-            </a:lvl1pPr>
-          </a:lstStyle>
-          <a:p>
-            <a:r>
-              <a:rPr lang="zh-CN" altLang="en-US" sz="1200" dirty="0"/>
-              <a:t>将子目录加入</a:t>
-            </a:r>
-            <a:r>
-              <a:rPr lang="en-US" altLang="zh-CN" sz="1200" dirty="0"/>
-              <a:t>subdir</a:t>
-            </a:r>
-            <a:r>
-              <a:rPr lang="zh-CN" altLang="en-US" sz="1200" dirty="0"/>
-              <a:t>链表</a:t>
-            </a:r>
-            <a:endParaRPr lang="en-US" altLang="zh-CN" sz="1200" dirty="0"/>
-          </a:p>
-        </p:txBody>
-      </p:sp>
-      <p:cxnSp>
-        <p:nvCxnSpPr>
-          <p:cNvPr id="98" name="曲线连接符 97"/>
-          <p:cNvCxnSpPr>
-            <a:stCxn id="54" idx="3"/>
-            <a:endCxn id="96" idx="1"/>
-          </p:cNvCxnSpPr>
-          <p:nvPr/>
-        </p:nvCxnSpPr>
-        <p:spPr>
-          <a:xfrm>
-            <a:off x="3618865" y="1443355"/>
-            <a:ext cx="574675" cy="833120"/>
-          </a:xfrm>
-          <a:prstGeom prst="curvedConnector3">
-            <a:avLst>
-              <a:gd name="adj1" fmla="val 50055"/>
-            </a:avLst>
-          </a:prstGeom>
-          <a:ln>
-            <a:tailEnd type="triangle"/>
-          </a:ln>
-        </p:spPr>
-        <p:style>
-          <a:lnRef idx="1">
-            <a:schemeClr val="accent1"/>
-          </a:lnRef>
-          <a:fillRef idx="0">
-            <a:schemeClr val="accent1"/>
-          </a:fillRef>
-          <a:effectRef idx="0">
-            <a:schemeClr val="accent1"/>
-          </a:effectRef>
-          <a:fontRef idx="minor">
-            <a:schemeClr val="tx1"/>
-          </a:fontRef>
-        </p:style>
-      </p:cxnSp>
-      <p:cxnSp>
-        <p:nvCxnSpPr>
-          <p:cNvPr id="101" name="曲线连接符 100"/>
-          <p:cNvCxnSpPr>
-            <a:stCxn id="54" idx="3"/>
-            <a:endCxn id="97" idx="1"/>
-          </p:cNvCxnSpPr>
-          <p:nvPr/>
-        </p:nvCxnSpPr>
-        <p:spPr>
-          <a:xfrm>
-            <a:off x="3618865" y="1443355"/>
-            <a:ext cx="574675" cy="1249680"/>
-          </a:xfrm>
-          <a:prstGeom prst="curvedConnector3">
-            <a:avLst>
-              <a:gd name="adj1" fmla="val 50055"/>
-            </a:avLst>
-          </a:prstGeom>
-          <a:ln>
-            <a:tailEnd type="triangle"/>
-          </a:ln>
-        </p:spPr>
-        <p:style>
-          <a:lnRef idx="1">
-            <a:schemeClr val="accent1"/>
-          </a:lnRef>
-          <a:fillRef idx="0">
-            <a:schemeClr val="accent1"/>
-          </a:fillRef>
-          <a:effectRef idx="0">
-            <a:schemeClr val="accent1"/>
-          </a:effectRef>
-          <a:fontRef idx="minor">
-            <a:schemeClr val="tx1"/>
-          </a:fontRef>
-        </p:style>
-      </p:cxnSp>
-      <p:sp>
-        <p:nvSpPr>
           <p:cNvPr id="107" name="文本框 106"/>
           <p:cNvSpPr txBox="1"/>
           <p:nvPr/>
         </p:nvSpPr>
         <p:spPr>
           <a:xfrm>
-            <a:off x="199654" y="3026065"/>
+            <a:off x="199654" y="3269905"/>
             <a:ext cx="1177840" cy="255830"/>
           </a:xfrm>
           <a:prstGeom prst="rect">
@@ -13812,8 +13078,8 @@
         </p:nvCxnSpPr>
         <p:spPr>
           <a:xfrm rot="5400000">
-            <a:off x="-26035" y="2211070"/>
-            <a:ext cx="1629410" cy="3175"/>
+            <a:off x="-76835" y="2414270"/>
+            <a:ext cx="1731010" cy="3175"/>
           </a:xfrm>
           <a:prstGeom prst="curvedConnector2">
             <a:avLst/>
@@ -13845,7 +13111,7 @@
         </p:nvSpPr>
         <p:spPr>
           <a:xfrm>
-            <a:off x="1734164" y="3029655"/>
+            <a:off x="2161235" y="3273495"/>
             <a:ext cx="2228192" cy="255830"/>
           </a:xfrm>
           <a:prstGeom prst="rect">
@@ -13886,12 +13152,12 @@
         </p:nvCxnSpPr>
         <p:spPr>
           <a:xfrm>
-            <a:off x="1377315" y="3154045"/>
-            <a:ext cx="356870" cy="3810"/>
+            <a:off x="1377315" y="3397885"/>
+            <a:ext cx="784225" cy="3810"/>
           </a:xfrm>
           <a:prstGeom prst="curvedConnector3">
             <a:avLst>
-              <a:gd name="adj1" fmla="val 50000"/>
+              <a:gd name="adj1" fmla="val 50040"/>
             </a:avLst>
           </a:prstGeom>
           <a:ln>
@@ -13921,7 +13187,7 @@
         </p:nvSpPr>
         <p:spPr>
           <a:xfrm>
-            <a:off x="1734164" y="3412548"/>
+            <a:off x="2161235" y="3656388"/>
             <a:ext cx="2228192" cy="255830"/>
           </a:xfrm>
           <a:prstGeom prst="rect">
@@ -13959,7 +13225,7 @@
         </p:nvSpPr>
         <p:spPr>
           <a:xfrm>
-            <a:off x="1744675" y="3798188"/>
+            <a:off x="2161235" y="4042028"/>
             <a:ext cx="2228192" cy="255830"/>
           </a:xfrm>
           <a:prstGeom prst="rect">
@@ -14008,12 +13274,12 @@
         </p:nvCxnSpPr>
         <p:spPr>
           <a:xfrm>
-            <a:off x="1377315" y="3154045"/>
-            <a:ext cx="356870" cy="386715"/>
+            <a:off x="1377315" y="3397885"/>
+            <a:ext cx="784225" cy="386715"/>
           </a:xfrm>
           <a:prstGeom prst="curvedConnector3">
             <a:avLst>
-              <a:gd name="adj1" fmla="val 50000"/>
+              <a:gd name="adj1" fmla="val 50040"/>
             </a:avLst>
           </a:prstGeom>
           <a:ln>
@@ -14046,12 +13312,12 @@
         </p:nvCxnSpPr>
         <p:spPr>
           <a:xfrm>
-            <a:off x="1377315" y="3154045"/>
-            <a:ext cx="367665" cy="772160"/>
+            <a:off x="1377315" y="3397885"/>
+            <a:ext cx="784225" cy="772160"/>
           </a:xfrm>
           <a:prstGeom prst="curvedConnector3">
             <a:avLst>
-              <a:gd name="adj1" fmla="val 50086"/>
+              <a:gd name="adj1" fmla="val 50040"/>
             </a:avLst>
           </a:prstGeom>
           <a:ln>
@@ -14081,8 +13347,8 @@
         </p:nvSpPr>
         <p:spPr>
           <a:xfrm>
-            <a:off x="30480" y="10160"/>
-            <a:ext cx="8937625" cy="368300"/>
+            <a:off x="-1905" y="-14605"/>
+            <a:ext cx="12130405" cy="645160"/>
           </a:xfrm>
           <a:prstGeom prst="rect">
             <a:avLst/>
@@ -14097,6 +13363,13 @@
             <a:r>
               <a:rPr lang="en-US" altLang="zh-CN"/>
               <a:t>file_system_type</a:t>
+            </a:r>
+            <a:endParaRPr lang="en-US" altLang="zh-CN"/>
+          </a:p>
+          <a:p>
+            <a:r>
+              <a:rPr lang="en-US" altLang="zh-CN"/>
+              <a:t>int sys_mount(char * dev_name, char * dir_name, char * type, unsigned long flags, void * data)</a:t>
             </a:r>
             <a:endParaRPr lang="en-US" altLang="zh-CN"/>
           </a:p>
@@ -14111,8 +13384,8 @@
           <p:nvPr/>
         </p:nvGraphicFramePr>
         <p:xfrm>
-          <a:off x="8958514" y="835915"/>
-          <a:ext cx="1993461" cy="1854200"/>
+          <a:off x="10248900" y="620395"/>
+          <a:ext cx="1363345" cy="1854200"/>
         </p:xfrm>
         <a:graphic>
           <a:graphicData uri="http://schemas.openxmlformats.org/drawingml/2006/table">
@@ -14121,7 +13394,7 @@
                 <a:tableStyleId>{5C22544A-7EE6-4342-B048-85BDC9FD1C3A}</a:tableStyleId>
               </a:tblPr>
               <a:tblGrid>
-                <a:gridCol w="1993461"/>
+                <a:gridCol w="1363345"/>
               </a:tblGrid>
               <a:tr h="370840">
                 <a:tc>
@@ -14464,8 +13737,8 @@
         </p:nvSpPr>
         <p:spPr>
           <a:xfrm>
-            <a:off x="9028582" y="340459"/>
-            <a:ext cx="1923393" cy="369332"/>
+            <a:off x="10248900" y="243840"/>
+            <a:ext cx="1345565" cy="368300"/>
           </a:xfrm>
           <a:prstGeom prst="rect">
             <a:avLst/>
@@ -14485,6 +13758,184 @@
           </a:p>
         </p:txBody>
       </p:sp>
+      <p:sp>
+        <p:nvSpPr>
+          <p:cNvPr id="3" name="文本框 2"/>
+          <p:cNvSpPr txBox="1"/>
+          <p:nvPr/>
+        </p:nvSpPr>
+        <p:spPr>
+          <a:xfrm>
+            <a:off x="2131060" y="1990090"/>
+            <a:ext cx="1979295" cy="255905"/>
+          </a:xfrm>
+          <a:prstGeom prst="rect">
+            <a:avLst/>
+          </a:prstGeom>
+          <a:solidFill>
+            <a:schemeClr val="bg1"/>
+          </a:solidFill>
+          <a:ln>
+            <a:solidFill>
+              <a:schemeClr val="tx1"/>
+            </a:solidFill>
+          </a:ln>
+        </p:spPr>
+        <p:txBody>
+          <a:bodyPr wrap="none" rtlCol="0">
+            <a:noAutofit/>
+          </a:bodyPr>
+          <a:p>
+            <a:pPr algn="ctr"/>
+            <a:r>
+              <a:rPr kumimoji="1" lang="zh-CN" sz="1200" dirty="0"/>
+              <a:t>调用注册的</a:t>
+            </a:r>
+            <a:r>
+              <a:rPr kumimoji="1" lang="en-US" altLang="zh-CN" sz="1200" dirty="0"/>
+              <a:t>mount</a:t>
+            </a:r>
+            <a:r>
+              <a:rPr kumimoji="1" lang="zh-CN" altLang="en-US" sz="1200" dirty="0"/>
+              <a:t>返回</a:t>
+            </a:r>
+            <a:r>
+              <a:rPr kumimoji="1" lang="en-US" altLang="zh-CN" sz="1200" dirty="0"/>
+              <a:t>dentry</a:t>
+            </a:r>
+            <a:endParaRPr kumimoji="1" lang="en-US" altLang="zh-CN" sz="1200" dirty="0"/>
+          </a:p>
+        </p:txBody>
+      </p:sp>
+      <p:sp>
+        <p:nvSpPr>
+          <p:cNvPr id="6" name="文本框 5"/>
+          <p:cNvSpPr txBox="1"/>
+          <p:nvPr/>
+        </p:nvSpPr>
+        <p:spPr>
+          <a:xfrm>
+            <a:off x="2131060" y="2346325"/>
+            <a:ext cx="2559050" cy="255905"/>
+          </a:xfrm>
+          <a:prstGeom prst="rect">
+            <a:avLst/>
+          </a:prstGeom>
+          <a:solidFill>
+            <a:schemeClr val="bg1"/>
+          </a:solidFill>
+          <a:ln>
+            <a:solidFill>
+              <a:schemeClr val="tx1"/>
+            </a:solidFill>
+          </a:ln>
+        </p:spPr>
+        <p:txBody>
+          <a:bodyPr wrap="none" rtlCol="0">
+            <a:noAutofit/>
+          </a:bodyPr>
+          <a:p>
+            <a:pPr algn="ctr"/>
+            <a:r>
+              <a:rPr kumimoji="1" lang="zh-CN" altLang="en-US" sz="1200" dirty="0"/>
+              <a:t>将返回的</a:t>
+            </a:r>
+            <a:r>
+              <a:rPr kumimoji="1" lang="en-US" altLang="zh-CN" sz="1200" dirty="0"/>
+              <a:t>dentry</a:t>
+            </a:r>
+            <a:r>
+              <a:rPr kumimoji="1" lang="zh-CN" altLang="en-US" sz="1200" dirty="0"/>
+              <a:t>注册到</a:t>
+            </a:r>
+            <a:r>
+              <a:rPr kumimoji="1" lang="en-US" altLang="zh-CN" sz="1200" dirty="0"/>
+              <a:t>vfs_mount</a:t>
+            </a:r>
+            <a:r>
+              <a:rPr kumimoji="1" lang="zh-CN" altLang="en-US" sz="1200" dirty="0"/>
+              <a:t>结构</a:t>
+            </a:r>
+            <a:endParaRPr kumimoji="1" lang="zh-CN" altLang="en-US" sz="1200" dirty="0"/>
+          </a:p>
+        </p:txBody>
+      </p:sp>
+      <p:cxnSp>
+        <p:nvCxnSpPr>
+          <p:cNvPr id="7" name="曲线连接符 6"/>
+          <p:cNvCxnSpPr>
+            <a:stCxn id="46" idx="3"/>
+            <a:endCxn id="3" idx="1"/>
+          </p:cNvCxnSpPr>
+          <p:nvPr/>
+        </p:nvCxnSpPr>
+        <p:spPr>
+          <a:xfrm>
+            <a:off x="1377315" y="1410970"/>
+            <a:ext cx="753745" cy="707390"/>
+          </a:xfrm>
+          <a:prstGeom prst="curvedConnector3">
+            <a:avLst>
+              <a:gd name="adj1" fmla="val 50042"/>
+            </a:avLst>
+          </a:prstGeom>
+          <a:ln>
+            <a:tailEnd type="triangle"/>
+          </a:ln>
+        </p:spPr>
+        <p:style>
+          <a:lnRef idx="1">
+            <a:schemeClr val="accent1"/>
+          </a:lnRef>
+          <a:fillRef idx="0">
+            <a:schemeClr val="accent1"/>
+          </a:fillRef>
+          <a:effectRef idx="0">
+            <a:schemeClr val="accent1"/>
+          </a:effectRef>
+          <a:fontRef idx="minor">
+            <a:schemeClr val="tx1"/>
+          </a:fontRef>
+        </p:style>
+      </p:cxnSp>
+      <p:cxnSp>
+        <p:nvCxnSpPr>
+          <p:cNvPr id="8" name="曲线连接符 7"/>
+          <p:cNvCxnSpPr>
+            <a:stCxn id="46" idx="3"/>
+            <a:endCxn id="6" idx="1"/>
+          </p:cNvCxnSpPr>
+          <p:nvPr/>
+        </p:nvCxnSpPr>
+        <p:spPr>
+          <a:xfrm>
+            <a:off x="1377315" y="1410970"/>
+            <a:ext cx="753745" cy="1063625"/>
+          </a:xfrm>
+          <a:prstGeom prst="curvedConnector3">
+            <a:avLst>
+              <a:gd name="adj1" fmla="val 50042"/>
+            </a:avLst>
+          </a:prstGeom>
+          <a:ln>
+            <a:tailEnd type="triangle"/>
+          </a:ln>
+        </p:spPr>
+        <p:style>
+          <a:lnRef idx="1">
+            <a:schemeClr val="accent1"/>
+          </a:lnRef>
+          <a:fillRef idx="0">
+            <a:schemeClr val="accent1"/>
+          </a:fillRef>
+          <a:effectRef idx="0">
+            <a:schemeClr val="accent1"/>
+          </a:effectRef>
+          <a:fontRef idx="minor">
+            <a:schemeClr val="tx1"/>
+          </a:fontRef>
+        </p:style>
+      </p:cxnSp>
     </p:spTree>
   </p:cSld>
   <p:clrMapOvr>
@@ -17321,7 +16772,7 @@
         </p:nvSpPr>
         <p:spPr>
           <a:xfrm>
-            <a:off x="388882" y="0"/>
+            <a:off x="97417" y="86360"/>
             <a:ext cx="1061545" cy="1166647"/>
           </a:xfrm>
           <a:prstGeom prst="rect">
@@ -17363,7 +16814,7 @@
         </p:nvSpPr>
         <p:spPr>
           <a:xfrm>
-            <a:off x="2112578" y="1041255"/>
+            <a:off x="1594418" y="965690"/>
             <a:ext cx="1061545" cy="1144895"/>
           </a:xfrm>
           <a:prstGeom prst="rect">
@@ -17408,12 +16859,12 @@
         </p:nvCxnSpPr>
         <p:spPr>
           <a:xfrm>
-            <a:off x="1240222" y="913340"/>
-            <a:ext cx="1030012" cy="604216"/>
+            <a:off x="948690" y="1000125"/>
+            <a:ext cx="803275" cy="441960"/>
           </a:xfrm>
           <a:prstGeom prst="curvedConnector3">
             <a:avLst>
-              <a:gd name="adj1" fmla="val 50000"/>
+              <a:gd name="adj1" fmla="val 50040"/>
             </a:avLst>
           </a:prstGeom>
           <a:ln>
@@ -17443,7 +16894,7 @@
         </p:nvSpPr>
         <p:spPr>
           <a:xfrm>
-            <a:off x="2270234" y="1389641"/>
+            <a:off x="1752074" y="1314076"/>
             <a:ext cx="693684" cy="255830"/>
           </a:xfrm>
           <a:prstGeom prst="rect">
@@ -17487,7 +16938,7 @@
         </p:nvSpPr>
         <p:spPr>
           <a:xfrm>
-            <a:off x="2270234" y="1804928"/>
+            <a:off x="1752074" y="1729363"/>
             <a:ext cx="693684" cy="255830"/>
           </a:xfrm>
           <a:prstGeom prst="rect">
@@ -17531,7 +16982,7 @@
         </p:nvSpPr>
         <p:spPr>
           <a:xfrm>
-            <a:off x="546538" y="370138"/>
+            <a:off x="255073" y="456498"/>
             <a:ext cx="693684" cy="255830"/>
           </a:xfrm>
           <a:prstGeom prst="rect">
@@ -17575,7 +17026,7 @@
         </p:nvSpPr>
         <p:spPr>
           <a:xfrm>
-            <a:off x="546538" y="785425"/>
+            <a:off x="255073" y="871785"/>
             <a:ext cx="693684" cy="255830"/>
           </a:xfrm>
           <a:prstGeom prst="rect">
@@ -17619,7 +17070,7 @@
         </p:nvSpPr>
         <p:spPr>
           <a:xfrm>
-            <a:off x="3804743" y="1041255"/>
+            <a:off x="3286583" y="965690"/>
             <a:ext cx="1061545" cy="1155405"/>
           </a:xfrm>
           <a:prstGeom prst="rect">
@@ -17661,7 +17112,7 @@
         </p:nvSpPr>
         <p:spPr>
           <a:xfrm>
-            <a:off x="3962399" y="1400151"/>
+            <a:off x="3444239" y="1324586"/>
             <a:ext cx="693684" cy="255830"/>
           </a:xfrm>
           <a:prstGeom prst="rect">
@@ -17705,7 +17156,7 @@
         </p:nvSpPr>
         <p:spPr>
           <a:xfrm>
-            <a:off x="3962399" y="1815438"/>
+            <a:off x="3444239" y="1739873"/>
             <a:ext cx="693684" cy="255830"/>
           </a:xfrm>
           <a:prstGeom prst="rect">
@@ -17749,7 +17200,7 @@
         </p:nvSpPr>
         <p:spPr>
           <a:xfrm>
-            <a:off x="5686095" y="1041255"/>
+            <a:off x="5167935" y="965690"/>
             <a:ext cx="1061545" cy="1216173"/>
           </a:xfrm>
           <a:prstGeom prst="rect">
@@ -17791,7 +17242,7 @@
         </p:nvSpPr>
         <p:spPr>
           <a:xfrm>
-            <a:off x="5843751" y="1460919"/>
+            <a:off x="5325591" y="1385354"/>
             <a:ext cx="693684" cy="255830"/>
           </a:xfrm>
           <a:prstGeom prst="rect">
@@ -17835,7 +17286,7 @@
         </p:nvSpPr>
         <p:spPr>
           <a:xfrm>
-            <a:off x="5843751" y="1876206"/>
+            <a:off x="5325591" y="1800641"/>
             <a:ext cx="693684" cy="255830"/>
           </a:xfrm>
           <a:prstGeom prst="rect">
@@ -17879,7 +17330,7 @@
         </p:nvSpPr>
         <p:spPr>
           <a:xfrm>
-            <a:off x="7462343" y="1041255"/>
+            <a:off x="7257238" y="965690"/>
             <a:ext cx="1061545" cy="1155405"/>
           </a:xfrm>
           <a:prstGeom prst="rect">
@@ -17921,7 +17372,7 @@
         </p:nvSpPr>
         <p:spPr>
           <a:xfrm>
-            <a:off x="7619999" y="1400151"/>
+            <a:off x="7414894" y="1324586"/>
             <a:ext cx="693684" cy="255830"/>
           </a:xfrm>
           <a:prstGeom prst="rect">
@@ -17965,7 +17416,7 @@
         </p:nvSpPr>
         <p:spPr>
           <a:xfrm>
-            <a:off x="7619999" y="1815438"/>
+            <a:off x="7414894" y="1739873"/>
             <a:ext cx="693684" cy="255830"/>
           </a:xfrm>
           <a:prstGeom prst="rect">
@@ -18012,12 +17463,12 @@
         </p:nvCxnSpPr>
         <p:spPr>
           <a:xfrm>
-            <a:off x="2963918" y="1517556"/>
-            <a:ext cx="998481" cy="10510"/>
+            <a:off x="2434590" y="1442085"/>
+            <a:ext cx="998855" cy="10795"/>
           </a:xfrm>
           <a:prstGeom prst="curvedConnector3">
             <a:avLst>
-              <a:gd name="adj1" fmla="val 50000"/>
+              <a:gd name="adj1" fmla="val 50032"/>
             </a:avLst>
           </a:prstGeom>
           <a:ln>
@@ -18050,12 +17501,12 @@
         </p:nvCxnSpPr>
         <p:spPr>
           <a:xfrm>
-            <a:off x="4656083" y="1528066"/>
-            <a:ext cx="1187668" cy="60768"/>
+            <a:off x="4126865" y="1452880"/>
+            <a:ext cx="1188085" cy="60960"/>
           </a:xfrm>
           <a:prstGeom prst="curvedConnector3">
             <a:avLst>
-              <a:gd name="adj1" fmla="val 50000"/>
+              <a:gd name="adj1" fmla="val 50027"/>
             </a:avLst>
           </a:prstGeom>
           <a:ln>
@@ -18088,8 +17539,8 @@
         </p:nvCxnSpPr>
         <p:spPr>
           <a:xfrm flipV="1">
-            <a:off x="6537435" y="1528066"/>
-            <a:ext cx="1082564" cy="60768"/>
+            <a:off x="6008370" y="1452880"/>
+            <a:ext cx="1395730" cy="60960"/>
           </a:xfrm>
           <a:prstGeom prst="curvedConnector3">
             <a:avLst>
@@ -18123,7 +17574,7 @@
         </p:nvSpPr>
         <p:spPr>
           <a:xfrm>
-            <a:off x="4656076" y="3142591"/>
+            <a:off x="4137916" y="3067026"/>
             <a:ext cx="1061545" cy="1187667"/>
           </a:xfrm>
           <a:prstGeom prst="rect">
@@ -18165,7 +17616,7 @@
         </p:nvSpPr>
         <p:spPr>
           <a:xfrm>
-            <a:off x="4813732" y="3533749"/>
+            <a:off x="4295572" y="3458184"/>
             <a:ext cx="693684" cy="255830"/>
           </a:xfrm>
           <a:prstGeom prst="rect">
@@ -18209,7 +17660,7 @@
         </p:nvSpPr>
         <p:spPr>
           <a:xfrm>
-            <a:off x="4813732" y="3949036"/>
+            <a:off x="4295572" y="3873471"/>
             <a:ext cx="693684" cy="255830"/>
           </a:xfrm>
           <a:prstGeom prst="rect">
@@ -18253,7 +17704,7 @@
         </p:nvSpPr>
         <p:spPr>
           <a:xfrm>
-            <a:off x="5722883" y="4940918"/>
+            <a:off x="5776858" y="4638658"/>
             <a:ext cx="1061545" cy="905001"/>
           </a:xfrm>
           <a:prstGeom prst="rect">
@@ -18291,7 +17742,7 @@
         </p:nvSpPr>
         <p:spPr>
           <a:xfrm>
-            <a:off x="5880539" y="5049410"/>
+            <a:off x="5934514" y="4747150"/>
             <a:ext cx="693684" cy="255830"/>
           </a:xfrm>
           <a:prstGeom prst="rect">
@@ -18335,7 +17786,7 @@
         </p:nvSpPr>
         <p:spPr>
           <a:xfrm>
-            <a:off x="5880539" y="5464697"/>
+            <a:off x="5934514" y="5162437"/>
             <a:ext cx="693684" cy="255830"/>
           </a:xfrm>
           <a:prstGeom prst="rect">
@@ -18379,7 +17830,7 @@
         </p:nvSpPr>
         <p:spPr>
           <a:xfrm>
-            <a:off x="7719843" y="2910252"/>
+            <a:off x="6089798" y="2359707"/>
             <a:ext cx="1061545" cy="905001"/>
           </a:xfrm>
           <a:prstGeom prst="rect">
@@ -18417,7 +17868,7 @@
         </p:nvSpPr>
         <p:spPr>
           <a:xfrm>
-            <a:off x="7877499" y="3018744"/>
+            <a:off x="6247454" y="2468199"/>
             <a:ext cx="693684" cy="255830"/>
           </a:xfrm>
           <a:prstGeom prst="rect">
@@ -18461,7 +17912,7 @@
         </p:nvSpPr>
         <p:spPr>
           <a:xfrm>
-            <a:off x="7877499" y="3434031"/>
+            <a:off x="6247454" y="2883486"/>
             <a:ext cx="693684" cy="255830"/>
           </a:xfrm>
           <a:prstGeom prst="rect">
@@ -18505,7 +17956,7 @@
         </p:nvSpPr>
         <p:spPr>
           <a:xfrm>
-            <a:off x="9348946" y="2931273"/>
+            <a:off x="7276306" y="2380728"/>
             <a:ext cx="1061545" cy="905001"/>
           </a:xfrm>
           <a:prstGeom prst="rect">
@@ -18543,7 +17994,7 @@
         </p:nvSpPr>
         <p:spPr>
           <a:xfrm>
-            <a:off x="9506602" y="3039765"/>
+            <a:off x="7433962" y="2489220"/>
             <a:ext cx="693684" cy="255830"/>
           </a:xfrm>
           <a:prstGeom prst="rect">
@@ -18587,7 +18038,7 @@
         </p:nvSpPr>
         <p:spPr>
           <a:xfrm>
-            <a:off x="9506602" y="3455052"/>
+            <a:off x="7433962" y="2904507"/>
             <a:ext cx="693684" cy="255830"/>
           </a:xfrm>
           <a:prstGeom prst="rect">
@@ -18634,8 +18085,8 @@
         </p:nvCxnSpPr>
         <p:spPr>
           <a:xfrm>
-            <a:off x="8571183" y="3146659"/>
-            <a:ext cx="935419" cy="21021"/>
+            <a:off x="6930390" y="2596515"/>
+            <a:ext cx="492760" cy="20955"/>
           </a:xfrm>
           <a:prstGeom prst="curvedConnector3">
             <a:avLst>
@@ -18672,8 +18123,8 @@
         </p:nvCxnSpPr>
         <p:spPr>
           <a:xfrm>
-            <a:off x="6537435" y="2004121"/>
-            <a:ext cx="1340064" cy="1142538"/>
+            <a:off x="6008370" y="1929130"/>
+            <a:ext cx="228600" cy="667385"/>
           </a:xfrm>
           <a:prstGeom prst="curvedConnector3">
             <a:avLst>
@@ -18707,7 +18158,7 @@
         </p:nvSpPr>
         <p:spPr>
           <a:xfrm>
-            <a:off x="1723696" y="4930409"/>
+            <a:off x="1777671" y="4628149"/>
             <a:ext cx="1061545" cy="905001"/>
           </a:xfrm>
           <a:prstGeom prst="rect">
@@ -18745,7 +18196,7 @@
         </p:nvSpPr>
         <p:spPr>
           <a:xfrm>
-            <a:off x="1881352" y="5038901"/>
+            <a:off x="1935327" y="4736641"/>
             <a:ext cx="693684" cy="255830"/>
           </a:xfrm>
           <a:prstGeom prst="rect">
@@ -18789,7 +18240,7 @@
         </p:nvSpPr>
         <p:spPr>
           <a:xfrm>
-            <a:off x="1881352" y="5454188"/>
+            <a:off x="1935327" y="5151928"/>
             <a:ext cx="693684" cy="255830"/>
           </a:xfrm>
           <a:prstGeom prst="rect">
@@ -18833,7 +18284,7 @@
         </p:nvSpPr>
         <p:spPr>
           <a:xfrm>
-            <a:off x="3352799" y="4951430"/>
+            <a:off x="3406774" y="4649170"/>
             <a:ext cx="1061545" cy="905001"/>
           </a:xfrm>
           <a:prstGeom prst="rect">
@@ -18871,7 +18322,7 @@
         </p:nvSpPr>
         <p:spPr>
           <a:xfrm>
-            <a:off x="3510455" y="5059922"/>
+            <a:off x="3564430" y="4757662"/>
             <a:ext cx="693684" cy="255830"/>
           </a:xfrm>
           <a:prstGeom prst="rect">
@@ -18915,7 +18366,7 @@
         </p:nvSpPr>
         <p:spPr>
           <a:xfrm>
-            <a:off x="3510455" y="5475209"/>
+            <a:off x="3564430" y="5172949"/>
             <a:ext cx="693684" cy="255830"/>
           </a:xfrm>
           <a:prstGeom prst="rect">
@@ -18962,12 +18413,12 @@
         </p:nvCxnSpPr>
         <p:spPr>
           <a:xfrm>
-            <a:off x="2575036" y="5166816"/>
-            <a:ext cx="935419" cy="21021"/>
+            <a:off x="2618105" y="4864735"/>
+            <a:ext cx="935355" cy="20955"/>
           </a:xfrm>
           <a:prstGeom prst="curvedConnector3">
             <a:avLst>
-              <a:gd name="adj1" fmla="val 50000"/>
+              <a:gd name="adj1" fmla="val 50034"/>
             </a:avLst>
           </a:prstGeom>
           <a:ln>
@@ -18997,7 +18448,7 @@
         </p:nvSpPr>
         <p:spPr>
           <a:xfrm>
-            <a:off x="4079102" y="3728640"/>
+            <a:off x="3560942" y="3653075"/>
             <a:ext cx="592739" cy="369332"/>
           </a:xfrm>
           <a:prstGeom prst="rect">
@@ -19027,7 +18478,7 @@
         </p:nvSpPr>
         <p:spPr>
           <a:xfrm>
-            <a:off x="1156138" y="5269522"/>
+            <a:off x="1158678" y="4782477"/>
             <a:ext cx="592739" cy="369332"/>
           </a:xfrm>
           <a:prstGeom prst="rect">
@@ -19060,14 +18511,14 @@
         </p:nvCxnSpPr>
         <p:spPr>
           <a:xfrm flipH="1">
-            <a:off x="1881352" y="4087461"/>
-            <a:ext cx="1728945" cy="1079355"/>
+            <a:off x="1935480" y="3310890"/>
+            <a:ext cx="1156335" cy="1553845"/>
           </a:xfrm>
           <a:prstGeom prst="curvedConnector5">
             <a:avLst>
-              <a:gd name="adj1" fmla="val -13222"/>
-              <a:gd name="adj2" fmla="val 50000"/>
-              <a:gd name="adj3" fmla="val 113222"/>
+              <a:gd name="adj1" fmla="val -20593"/>
+              <a:gd name="adj2" fmla="val 49980"/>
+              <a:gd name="adj3" fmla="val 120593"/>
             </a:avLst>
           </a:prstGeom>
           <a:ln>
@@ -19097,7 +18548,7 @@
         </p:nvSpPr>
         <p:spPr>
           <a:xfrm>
-            <a:off x="2758957" y="3142591"/>
+            <a:off x="2240797" y="2365351"/>
             <a:ext cx="1061545" cy="1198177"/>
           </a:xfrm>
           <a:prstGeom prst="rect">
@@ -19139,7 +18590,7 @@
         </p:nvSpPr>
         <p:spPr>
           <a:xfrm>
-            <a:off x="2916613" y="3544259"/>
+            <a:off x="2398453" y="2767019"/>
             <a:ext cx="693684" cy="255830"/>
           </a:xfrm>
           <a:prstGeom prst="rect">
@@ -19183,7 +18634,7 @@
         </p:nvSpPr>
         <p:spPr>
           <a:xfrm>
-            <a:off x="2916613" y="3959546"/>
+            <a:off x="2398453" y="3182306"/>
             <a:ext cx="693684" cy="255830"/>
           </a:xfrm>
           <a:prstGeom prst="rect">
@@ -19227,7 +18678,7 @@
         </p:nvSpPr>
         <p:spPr>
           <a:xfrm>
-            <a:off x="2181983" y="3739150"/>
+            <a:off x="1663823" y="2961910"/>
             <a:ext cx="592739" cy="369332"/>
           </a:xfrm>
           <a:prstGeom prst="rect">
@@ -19260,14 +18711,14 @@
         </p:nvCxnSpPr>
         <p:spPr>
           <a:xfrm flipH="1">
-            <a:off x="2916613" y="1932843"/>
-            <a:ext cx="47305" cy="1739331"/>
+            <a:off x="2387600" y="1857375"/>
+            <a:ext cx="46990" cy="1038225"/>
           </a:xfrm>
           <a:prstGeom prst="curvedConnector5">
             <a:avLst>
-              <a:gd name="adj1" fmla="val -483247"/>
-              <a:gd name="adj2" fmla="val 50000"/>
-              <a:gd name="adj3" fmla="val 583247"/>
+              <a:gd name="adj1" fmla="val -506757"/>
+              <a:gd name="adj2" fmla="val 49969"/>
+              <a:gd name="adj3" fmla="val 606757"/>
             </a:avLst>
           </a:prstGeom>
           <a:ln>
@@ -19300,12 +18751,12 @@
         </p:nvCxnSpPr>
         <p:spPr>
           <a:xfrm>
-            <a:off x="5507416" y="4076951"/>
-            <a:ext cx="373123" cy="1100374"/>
+            <a:off x="4978400" y="4001770"/>
+            <a:ext cx="945515" cy="873760"/>
           </a:xfrm>
           <a:prstGeom prst="curvedConnector3">
             <a:avLst>
-              <a:gd name="adj1" fmla="val 50000"/>
+              <a:gd name="adj1" fmla="val 50034"/>
             </a:avLst>
           </a:prstGeom>
           <a:ln>
@@ -19335,7 +18786,7 @@
         </p:nvSpPr>
         <p:spPr>
           <a:xfrm>
-            <a:off x="7257389" y="4951428"/>
+            <a:off x="7311364" y="4649168"/>
             <a:ext cx="1061545" cy="905001"/>
           </a:xfrm>
           <a:prstGeom prst="rect">
@@ -19373,7 +18824,7 @@
         </p:nvSpPr>
         <p:spPr>
           <a:xfrm>
-            <a:off x="7415045" y="5059920"/>
+            <a:off x="7469020" y="4757660"/>
             <a:ext cx="693684" cy="255830"/>
           </a:xfrm>
           <a:prstGeom prst="rect">
@@ -19417,7 +18868,7 @@
         </p:nvSpPr>
         <p:spPr>
           <a:xfrm>
-            <a:off x="7415045" y="5475207"/>
+            <a:off x="7469020" y="5172947"/>
             <a:ext cx="693684" cy="255830"/>
           </a:xfrm>
           <a:prstGeom prst="rect">
@@ -19464,8 +18915,8 @@
         </p:nvCxnSpPr>
         <p:spPr>
           <a:xfrm>
-            <a:off x="6574223" y="5177325"/>
-            <a:ext cx="840822" cy="10510"/>
+            <a:off x="6617335" y="4875530"/>
+            <a:ext cx="840740" cy="10160"/>
           </a:xfrm>
           <a:prstGeom prst="curvedConnector3">
             <a:avLst>
@@ -19499,7 +18950,7 @@
         </p:nvSpPr>
         <p:spPr>
           <a:xfrm>
-            <a:off x="4099029" y="2442292"/>
+            <a:off x="3580869" y="2366727"/>
             <a:ext cx="1792017" cy="1957947"/>
           </a:xfrm>
           <a:prstGeom prst="rect">
@@ -19530,6 +18981,143 @@
               <a:t>Vfs_mount</a:t>
             </a:r>
             <a:endParaRPr lang="en-US" altLang="zh-CN" sz="1200" dirty="0"/>
+          </a:p>
+        </p:txBody>
+      </p:sp>
+      <p:sp>
+        <p:nvSpPr>
+          <p:cNvPr id="86" name="文本框 85"/>
+          <p:cNvSpPr txBox="1"/>
+          <p:nvPr/>
+        </p:nvSpPr>
+        <p:spPr>
+          <a:xfrm>
+            <a:off x="8567420" y="913130"/>
+            <a:ext cx="3044825" cy="5464810"/>
+          </a:xfrm>
+          <a:prstGeom prst="rect">
+            <a:avLst/>
+          </a:prstGeom>
+          <a:solidFill>
+            <a:schemeClr val="bg1"/>
+          </a:solidFill>
+          <a:ln>
+            <a:solidFill>
+              <a:schemeClr val="tx1"/>
+            </a:solidFill>
+          </a:ln>
+        </p:spPr>
+        <p:txBody>
+          <a:bodyPr wrap="square" rtlCol="0">
+            <a:noAutofit/>
+          </a:bodyPr>
+          <a:lstStyle>
+            <a:defPPr>
+              <a:defRPr lang="zh-CN"/>
+            </a:defPPr>
+            <a:lvl1pPr algn="ctr">
+              <a:defRPr kumimoji="1"/>
+            </a:lvl1pPr>
+          </a:lstStyle>
+          <a:p>
+            <a:pPr algn="l"/>
+            <a:r>
+              <a:rPr lang="en-US" sz="1200" dirty="0"/>
+              <a:t>input</a:t>
+            </a:r>
+            <a:r>
+              <a:rPr lang="zh-CN" altLang="en-US" sz="1200" dirty="0"/>
+              <a:t>：</a:t>
+            </a:r>
+            <a:r>
+              <a:rPr lang="en-US" altLang="zh-CN" sz="1200" dirty="0"/>
+              <a:t>dev_name</a:t>
+            </a:r>
+            <a:r>
+              <a:rPr lang="zh-CN" altLang="en-US" sz="1200" dirty="0"/>
+              <a:t>：</a:t>
+            </a:r>
+            <a:r>
+              <a:rPr lang="zh-CN" sz="1200" dirty="0">
+                <a:sym typeface="+mn-ea"/>
+              </a:rPr>
+              <a:t>挂载设备名；</a:t>
+            </a:r>
+            <a:r>
+              <a:rPr lang="en-US" altLang="zh-CN" sz="1200" dirty="0">
+                <a:sym typeface="+mn-ea"/>
+              </a:rPr>
+              <a:t>dir_name:</a:t>
+            </a:r>
+            <a:r>
+              <a:rPr lang="zh-CN" altLang="en-US" sz="1200" dirty="0"/>
+              <a:t>挂载点；</a:t>
+            </a:r>
+            <a:r>
+              <a:rPr lang="en-US" altLang="zh-CN" sz="1200" dirty="0"/>
+              <a:t>type</a:t>
+            </a:r>
+            <a:r>
+              <a:rPr lang="zh-CN" altLang="en-US" sz="1200" dirty="0"/>
+              <a:t>：类型。</a:t>
+            </a:r>
+            <a:r>
+              <a:rPr lang="en-US" altLang="zh-CN" sz="1200" dirty="0"/>
+              <a:t>flag</a:t>
+            </a:r>
+            <a:r>
+              <a:rPr lang="zh-CN" altLang="en-US" sz="1200" dirty="0"/>
+              <a:t>：标志。</a:t>
+            </a:r>
+            <a:r>
+              <a:rPr lang="en-US" altLang="zh-CN" sz="1200" dirty="0"/>
+              <a:t>data</a:t>
+            </a:r>
+            <a:r>
+              <a:rPr lang="zh-CN" altLang="en-US" sz="1200" dirty="0"/>
+              <a:t>：私有数据。</a:t>
+            </a:r>
+            <a:endParaRPr lang="zh-CN" altLang="en-US" sz="1200" dirty="0"/>
+          </a:p>
+          <a:p>
+            <a:pPr algn="l"/>
+            <a:endParaRPr lang="zh-CN" altLang="en-US" sz="1200" dirty="0"/>
+          </a:p>
+          <a:p>
+            <a:pPr algn="l"/>
+            <a:r>
+              <a:rPr lang="en-US" altLang="zh-CN" sz="1200" dirty="0"/>
+              <a:t>1, </a:t>
+            </a:r>
+            <a:r>
+              <a:rPr lang="zh-CN" altLang="en-US" sz="1200" dirty="0"/>
+              <a:t>基于</a:t>
+            </a:r>
+            <a:r>
+              <a:rPr lang="en-US" altLang="zh-CN" sz="1200" dirty="0"/>
+              <a:t>dir_name</a:t>
+            </a:r>
+            <a:r>
+              <a:rPr lang="zh-CN" altLang="en-US" sz="1200" dirty="0"/>
+              <a:t>找到</a:t>
+            </a:r>
+            <a:r>
+              <a:rPr lang="en-US" altLang="zh-CN" sz="1200" dirty="0"/>
+              <a:t>path</a:t>
+            </a:r>
+            <a:r>
+              <a:rPr lang="zh-CN" altLang="en-US" sz="1200" dirty="0"/>
+              <a:t>。即通过搜索目录树找到从根到</a:t>
+            </a:r>
+            <a:r>
+              <a:rPr lang="en-US" altLang="zh-CN" sz="1200" dirty="0"/>
+              <a:t>dir_name</a:t>
+            </a:r>
+            <a:r>
+              <a:rPr lang="zh-CN" altLang="en-US" sz="1200" dirty="0"/>
+              <a:t>。</a:t>
+            </a:r>
+            <a:endParaRPr lang="zh-CN" altLang="en-US" sz="1200" dirty="0"/>
           </a:p>
         </p:txBody>
       </p:sp>

--- a/doc/fs.pptx
+++ b/doc/fs.pptx
@@ -253,7 +253,7 @@
           <a:p>
             <a:fld id="{667E3AE1-2DF1-6743-983F-5DE39540ADAF}" type="datetimeFigureOut">
               <a:rPr kumimoji="1" lang="zh-CN" altLang="en-US" smtClean="0"/>
-              <a:t>2018/10/22</a:t>
+              <a:t>2018/11/7</a:t>
             </a:fld>
             <a:endParaRPr kumimoji="1" lang="zh-CN" altLang="en-US"/>
           </a:p>
@@ -391,7 +391,7 @@
           <a:p>
             <a:fld id="{667E3AE1-2DF1-6743-983F-5DE39540ADAF}" type="datetimeFigureOut">
               <a:rPr kumimoji="1" lang="zh-CN" altLang="en-US" smtClean="0"/>
-              <a:t>2018/10/22</a:t>
+              <a:t>2018/11/7</a:t>
             </a:fld>
             <a:endParaRPr kumimoji="1" lang="zh-CN" altLang="en-US"/>
           </a:p>
@@ -539,7 +539,7 @@
           <a:p>
             <a:fld id="{667E3AE1-2DF1-6743-983F-5DE39540ADAF}" type="datetimeFigureOut">
               <a:rPr kumimoji="1" lang="zh-CN" altLang="en-US" smtClean="0"/>
-              <a:t>2018/10/22</a:t>
+              <a:t>2018/11/7</a:t>
             </a:fld>
             <a:endParaRPr kumimoji="1" lang="zh-CN" altLang="en-US"/>
           </a:p>
@@ -677,7 +677,7 @@
           <a:p>
             <a:fld id="{667E3AE1-2DF1-6743-983F-5DE39540ADAF}" type="datetimeFigureOut">
               <a:rPr kumimoji="1" lang="zh-CN" altLang="en-US" smtClean="0"/>
-              <a:t>2018/10/22</a:t>
+              <a:t>2018/11/7</a:t>
             </a:fld>
             <a:endParaRPr kumimoji="1" lang="zh-CN" altLang="en-US"/>
           </a:p>
@@ -920,7 +920,7 @@
           <a:p>
             <a:fld id="{667E3AE1-2DF1-6743-983F-5DE39540ADAF}" type="datetimeFigureOut">
               <a:rPr kumimoji="1" lang="zh-CN" altLang="en-US" smtClean="0"/>
-              <a:t>2018/10/22</a:t>
+              <a:t>2018/11/7</a:t>
             </a:fld>
             <a:endParaRPr kumimoji="1" lang="zh-CN" altLang="en-US"/>
           </a:p>
@@ -1094,7 +1094,7 @@
           <a:p>
             <a:fld id="{667E3AE1-2DF1-6743-983F-5DE39540ADAF}" type="datetimeFigureOut">
               <a:rPr kumimoji="1" lang="zh-CN" altLang="en-US" smtClean="0"/>
-              <a:t>2018/10/22</a:t>
+              <a:t>2018/11/7</a:t>
             </a:fld>
             <a:endParaRPr kumimoji="1" lang="zh-CN" altLang="en-US"/>
           </a:p>
@@ -1409,7 +1409,7 @@
           <a:p>
             <a:fld id="{667E3AE1-2DF1-6743-983F-5DE39540ADAF}" type="datetimeFigureOut">
               <a:rPr kumimoji="1" lang="zh-CN" altLang="en-US" smtClean="0"/>
-              <a:t>2018/10/22</a:t>
+              <a:t>2018/11/7</a:t>
             </a:fld>
             <a:endParaRPr kumimoji="1" lang="zh-CN" altLang="en-US"/>
           </a:p>
@@ -1521,7 +1521,7 @@
           <a:p>
             <a:fld id="{667E3AE1-2DF1-6743-983F-5DE39540ADAF}" type="datetimeFigureOut">
               <a:rPr kumimoji="1" lang="zh-CN" altLang="en-US" smtClean="0"/>
-              <a:t>2018/10/22</a:t>
+              <a:t>2018/11/7</a:t>
             </a:fld>
             <a:endParaRPr kumimoji="1" lang="zh-CN" altLang="en-US"/>
           </a:p>
@@ -1611,7 +1611,7 @@
           <a:p>
             <a:fld id="{667E3AE1-2DF1-6743-983F-5DE39540ADAF}" type="datetimeFigureOut">
               <a:rPr kumimoji="1" lang="zh-CN" altLang="en-US" smtClean="0"/>
-              <a:t>2018/10/22</a:t>
+              <a:t>2018/11/7</a:t>
             </a:fld>
             <a:endParaRPr kumimoji="1" lang="zh-CN" altLang="en-US"/>
           </a:p>
@@ -1859,7 +1859,7 @@
           <a:p>
             <a:fld id="{667E3AE1-2DF1-6743-983F-5DE39540ADAF}" type="datetimeFigureOut">
               <a:rPr kumimoji="1" lang="zh-CN" altLang="en-US" smtClean="0"/>
-              <a:t>2018/10/22</a:t>
+              <a:t>2018/11/7</a:t>
             </a:fld>
             <a:endParaRPr kumimoji="1" lang="zh-CN" altLang="en-US"/>
           </a:p>
@@ -2109,7 +2109,7 @@
           <a:p>
             <a:fld id="{667E3AE1-2DF1-6743-983F-5DE39540ADAF}" type="datetimeFigureOut">
               <a:rPr kumimoji="1" lang="zh-CN" altLang="en-US" smtClean="0"/>
-              <a:t>2018/10/22</a:t>
+              <a:t>2018/11/7</a:t>
             </a:fld>
             <a:endParaRPr kumimoji="1" lang="zh-CN" altLang="en-US"/>
           </a:p>
@@ -2290,7 +2290,7 @@
           <a:p>
             <a:fld id="{667E3AE1-2DF1-6743-983F-5DE39540ADAF}" type="datetimeFigureOut">
               <a:rPr kumimoji="1" lang="zh-CN" altLang="en-US" smtClean="0"/>
-              <a:t>2018/10/22</a:t>
+              <a:t>2018/11/7</a:t>
             </a:fld>
             <a:endParaRPr kumimoji="1" lang="zh-CN" altLang="en-US"/>
           </a:p>
@@ -3857,7 +3857,7 @@
         </p:nvSpPr>
         <p:spPr>
           <a:xfrm>
-            <a:off x="1913890" y="2157095"/>
+            <a:off x="800735" y="1966595"/>
             <a:ext cx="1693545" cy="256540"/>
           </a:xfrm>
           <a:prstGeom prst="rect">
@@ -3910,7 +3910,7 @@
         </p:nvCxnSpPr>
         <p:spPr>
           <a:xfrm>
-            <a:off x="2760980" y="2413635"/>
+            <a:off x="1647825" y="2223135"/>
             <a:ext cx="1905" cy="273050"/>
           </a:xfrm>
           <a:prstGeom prst="straightConnector1">
@@ -3943,7 +3943,7 @@
         </p:nvSpPr>
         <p:spPr>
           <a:xfrm>
-            <a:off x="3689350" y="3841750"/>
+            <a:off x="2576195" y="3651250"/>
             <a:ext cx="1137920" cy="256540"/>
           </a:xfrm>
           <a:prstGeom prst="rect">
@@ -3994,7 +3994,7 @@
         </p:nvSpPr>
         <p:spPr>
           <a:xfrm>
-            <a:off x="2028825" y="4337050"/>
+            <a:off x="915670" y="4146550"/>
             <a:ext cx="4553585" cy="330200"/>
           </a:xfrm>
           <a:prstGeom prst="rect">
@@ -4061,7 +4061,7 @@
         </p:nvSpPr>
         <p:spPr>
           <a:xfrm>
-            <a:off x="4643755" y="2144395"/>
+            <a:off x="3530600" y="1953895"/>
             <a:ext cx="1829435" cy="256540"/>
           </a:xfrm>
           <a:prstGeom prst="rect">
@@ -4119,7 +4119,7 @@
         </p:nvCxnSpPr>
         <p:spPr>
           <a:xfrm>
-            <a:off x="5558790" y="2400935"/>
+            <a:off x="4445635" y="2210435"/>
             <a:ext cx="0" cy="285750"/>
           </a:xfrm>
           <a:prstGeom prst="straightConnector1">
@@ -4152,7 +4152,7 @@
         </p:nvCxnSpPr>
         <p:spPr>
           <a:xfrm>
-            <a:off x="2844800" y="3583305"/>
+            <a:off x="1731645" y="3392805"/>
             <a:ext cx="0" cy="753745"/>
           </a:xfrm>
           <a:prstGeom prst="straightConnector1">
@@ -4185,7 +4185,7 @@
         </p:nvSpPr>
         <p:spPr>
           <a:xfrm>
-            <a:off x="1915795" y="2686685"/>
+            <a:off x="802640" y="2496185"/>
             <a:ext cx="4568825" cy="256540"/>
           </a:xfrm>
           <a:prstGeom prst="rect">
@@ -4236,7 +4236,7 @@
         </p:nvSpPr>
         <p:spPr>
           <a:xfrm>
-            <a:off x="4673600" y="3326765"/>
+            <a:off x="3560445" y="3136265"/>
             <a:ext cx="1693545" cy="256540"/>
           </a:xfrm>
           <a:prstGeom prst="diamond">
@@ -4287,7 +4287,7 @@
         </p:nvCxnSpPr>
         <p:spPr>
           <a:xfrm rot="5400000" flipV="1">
-            <a:off x="4668838" y="2474913"/>
+            <a:off x="3555683" y="2284413"/>
             <a:ext cx="383540" cy="1320165"/>
           </a:xfrm>
           <a:prstGeom prst="bentConnector3">
@@ -4325,7 +4325,7 @@
         </p:nvCxnSpPr>
         <p:spPr>
           <a:xfrm>
-            <a:off x="6367145" y="3455035"/>
+            <a:off x="5253990" y="3264535"/>
             <a:ext cx="72390" cy="376555"/>
           </a:xfrm>
           <a:prstGeom prst="bentConnector2">
@@ -4360,7 +4360,7 @@
         </p:nvCxnSpPr>
         <p:spPr>
           <a:xfrm>
-            <a:off x="5520690" y="3583305"/>
+            <a:off x="4407535" y="3392805"/>
             <a:ext cx="0" cy="743585"/>
           </a:xfrm>
           <a:prstGeom prst="straightConnector1">
@@ -4393,7 +4393,7 @@
         </p:nvSpPr>
         <p:spPr>
           <a:xfrm>
-            <a:off x="1995805" y="3326765"/>
+            <a:off x="882650" y="3136265"/>
             <a:ext cx="1693545" cy="256540"/>
           </a:xfrm>
           <a:prstGeom prst="diamond">
@@ -4444,7 +4444,7 @@
         </p:nvCxnSpPr>
         <p:spPr>
           <a:xfrm flipH="1">
-            <a:off x="2843530" y="2943225"/>
+            <a:off x="1730375" y="2752725"/>
             <a:ext cx="2540" cy="383540"/>
           </a:xfrm>
           <a:prstGeom prst="straightConnector1">
@@ -4480,7 +4480,7 @@
         </p:nvCxnSpPr>
         <p:spPr>
           <a:xfrm>
-            <a:off x="3689350" y="3455035"/>
+            <a:off x="2576195" y="3264535"/>
             <a:ext cx="568960" cy="386715"/>
           </a:xfrm>
           <a:prstGeom prst="bentConnector2">
@@ -4513,7 +4513,7 @@
         </p:nvSpPr>
         <p:spPr>
           <a:xfrm>
-            <a:off x="1997710" y="4904105"/>
+            <a:off x="884555" y="4713605"/>
             <a:ext cx="4584065" cy="330200"/>
           </a:xfrm>
           <a:prstGeom prst="rect">
@@ -4572,7 +4572,7 @@
         </p:nvSpPr>
         <p:spPr>
           <a:xfrm>
-            <a:off x="2007870" y="5513070"/>
+            <a:off x="894715" y="5322570"/>
             <a:ext cx="4573905" cy="330200"/>
           </a:xfrm>
           <a:prstGeom prst="rect">
@@ -4631,7 +4631,7 @@
         </p:nvCxnSpPr>
         <p:spPr>
           <a:xfrm>
-            <a:off x="4248150" y="4667250"/>
+            <a:off x="3134995" y="4476750"/>
             <a:ext cx="0" cy="236855"/>
           </a:xfrm>
           <a:prstGeom prst="straightConnector1">
@@ -4664,7 +4664,7 @@
         </p:nvCxnSpPr>
         <p:spPr>
           <a:xfrm>
-            <a:off x="4259580" y="5276215"/>
+            <a:off x="3146425" y="5085715"/>
             <a:ext cx="0" cy="236855"/>
           </a:xfrm>
           <a:prstGeom prst="straightConnector1">
@@ -4697,7 +4697,7 @@
         </p:nvSpPr>
         <p:spPr>
           <a:xfrm>
-            <a:off x="5870575" y="3831590"/>
+            <a:off x="4757420" y="3641090"/>
             <a:ext cx="1137920" cy="256540"/>
           </a:xfrm>
           <a:prstGeom prst="rect">
@@ -4748,8 +4748,1388 @@
         </p:nvCxnSpPr>
         <p:spPr>
           <a:xfrm>
-            <a:off x="6396355" y="4112260"/>
+            <a:off x="5283200" y="3921760"/>
             <a:ext cx="0" cy="236855"/>
+          </a:xfrm>
+          <a:prstGeom prst="straightConnector1">
+            <a:avLst/>
+          </a:prstGeom>
+          <a:ln>
+            <a:tailEnd type="arrow"/>
+          </a:ln>
+        </p:spPr>
+        <p:style>
+          <a:lnRef idx="1">
+            <a:schemeClr val="accent1"/>
+          </a:lnRef>
+          <a:fillRef idx="0">
+            <a:schemeClr val="accent1"/>
+          </a:fillRef>
+          <a:effectRef idx="0">
+            <a:schemeClr val="accent1"/>
+          </a:effectRef>
+          <a:fontRef idx="minor">
+            <a:schemeClr val="tx1"/>
+          </a:fontRef>
+        </p:style>
+      </p:cxnSp>
+      <p:sp>
+        <p:nvSpPr>
+          <p:cNvPr id="32" name="矩形 31">
+            <a:extLst>
+              <a:ext uri="{FF2B5EF4-FFF2-40B4-BE49-F238E27FC236}">
+                <a16:creationId xmlns:a16="http://schemas.microsoft.com/office/drawing/2014/main" id="{F24355FB-0DDC-EC42-B62A-AEC31C8439DA}"/>
+              </a:ext>
+            </a:extLst>
+          </p:cNvPr>
+          <p:cNvSpPr/>
+          <p:nvPr/>
+        </p:nvSpPr>
+        <p:spPr>
+          <a:xfrm>
+            <a:off x="7547781" y="577535"/>
+            <a:ext cx="1747714" cy="174249"/>
+          </a:xfrm>
+          <a:prstGeom prst="rect">
+            <a:avLst/>
+          </a:prstGeom>
+          <a:noFill/>
+          <a:ln>
+            <a:prstDash val="solid"/>
+          </a:ln>
+        </p:spPr>
+        <p:style>
+          <a:lnRef idx="2">
+            <a:schemeClr val="accent1">
+              <a:shade val="50000"/>
+            </a:schemeClr>
+          </a:lnRef>
+          <a:fillRef idx="1">
+            <a:schemeClr val="accent1"/>
+          </a:fillRef>
+          <a:effectRef idx="0">
+            <a:schemeClr val="accent1"/>
+          </a:effectRef>
+          <a:fontRef idx="minor">
+            <a:schemeClr val="lt1"/>
+          </a:fontRef>
+        </p:style>
+        <p:txBody>
+          <a:bodyPr rtlCol="0" anchor="ctr"/>
+          <a:lstStyle/>
+          <a:p>
+            <a:pPr algn="ctr"/>
+            <a:r>
+              <a:rPr kumimoji="1" lang="zh-CN" altLang="en-US" sz="1200" dirty="0">
+                <a:solidFill>
+                  <a:schemeClr val="tx1"/>
+                </a:solidFill>
+              </a:rPr>
+              <a:t>查找并返回</a:t>
+            </a:r>
+            <a:r>
+              <a:rPr kumimoji="1" lang="en-US" altLang="zh-CN" sz="1200" dirty="0" err="1">
+                <a:solidFill>
+                  <a:schemeClr val="tx1"/>
+                </a:solidFill>
+              </a:rPr>
+              <a:t>dentry</a:t>
+            </a:r>
+            <a:endParaRPr kumimoji="1" lang="en-US" sz="1200" dirty="0">
+              <a:solidFill>
+                <a:schemeClr val="tx1"/>
+              </a:solidFill>
+            </a:endParaRPr>
+          </a:p>
+        </p:txBody>
+      </p:sp>
+      <p:sp>
+        <p:nvSpPr>
+          <p:cNvPr id="33" name="矩形 32">
+            <a:extLst>
+              <a:ext uri="{FF2B5EF4-FFF2-40B4-BE49-F238E27FC236}">
+                <a16:creationId xmlns:a16="http://schemas.microsoft.com/office/drawing/2014/main" id="{E0245512-5E5B-AB4B-9E8E-F71222941172}"/>
+              </a:ext>
+            </a:extLst>
+          </p:cNvPr>
+          <p:cNvSpPr/>
+          <p:nvPr/>
+        </p:nvSpPr>
+        <p:spPr>
+          <a:xfrm>
+            <a:off x="7547781" y="1084182"/>
+            <a:ext cx="1747714" cy="174249"/>
+          </a:xfrm>
+          <a:prstGeom prst="rect">
+            <a:avLst/>
+          </a:prstGeom>
+          <a:noFill/>
+          <a:ln>
+            <a:prstDash val="solid"/>
+          </a:ln>
+        </p:spPr>
+        <p:style>
+          <a:lnRef idx="2">
+            <a:schemeClr val="accent1">
+              <a:shade val="50000"/>
+            </a:schemeClr>
+          </a:lnRef>
+          <a:fillRef idx="1">
+            <a:schemeClr val="accent1"/>
+          </a:fillRef>
+          <a:effectRef idx="0">
+            <a:schemeClr val="accent1"/>
+          </a:effectRef>
+          <a:fontRef idx="minor">
+            <a:schemeClr val="lt1"/>
+          </a:fontRef>
+        </p:style>
+        <p:txBody>
+          <a:bodyPr rtlCol="0" anchor="ctr"/>
+          <a:lstStyle/>
+          <a:p>
+            <a:pPr algn="ctr"/>
+            <a:r>
+              <a:rPr kumimoji="1" lang="zh-CN" altLang="en-US" sz="1200" dirty="0">
+                <a:solidFill>
+                  <a:schemeClr val="tx1"/>
+                </a:solidFill>
+              </a:rPr>
+              <a:t>查找下一个路径分量</a:t>
+            </a:r>
+            <a:endParaRPr kumimoji="1" lang="en-US" sz="1200" dirty="0">
+              <a:solidFill>
+                <a:schemeClr val="tx1"/>
+              </a:solidFill>
+            </a:endParaRPr>
+          </a:p>
+        </p:txBody>
+      </p:sp>
+      <p:sp>
+        <p:nvSpPr>
+          <p:cNvPr id="36" name="菱形 35">
+            <a:extLst>
+              <a:ext uri="{FF2B5EF4-FFF2-40B4-BE49-F238E27FC236}">
+                <a16:creationId xmlns:a16="http://schemas.microsoft.com/office/drawing/2014/main" id="{12CD8654-0416-AF49-83EC-D0EA23E88BCB}"/>
+              </a:ext>
+            </a:extLst>
+          </p:cNvPr>
+          <p:cNvSpPr/>
+          <p:nvPr/>
+        </p:nvSpPr>
+        <p:spPr>
+          <a:xfrm>
+            <a:off x="7813774" y="1479377"/>
+            <a:ext cx="1215728" cy="278054"/>
+          </a:xfrm>
+          <a:prstGeom prst="diamond">
+            <a:avLst/>
+          </a:prstGeom>
+          <a:noFill/>
+          <a:ln>
+            <a:prstDash val="solid"/>
+          </a:ln>
+        </p:spPr>
+        <p:style>
+          <a:lnRef idx="2">
+            <a:schemeClr val="accent1">
+              <a:shade val="50000"/>
+            </a:schemeClr>
+          </a:lnRef>
+          <a:fillRef idx="1">
+            <a:schemeClr val="accent1"/>
+          </a:fillRef>
+          <a:effectRef idx="0">
+            <a:schemeClr val="accent1"/>
+          </a:effectRef>
+          <a:fontRef idx="minor">
+            <a:schemeClr val="lt1"/>
+          </a:fontRef>
+        </p:style>
+        <p:txBody>
+          <a:bodyPr rtlCol="0" anchor="ctr"/>
+          <a:lstStyle/>
+          <a:p>
+            <a:pPr algn="ctr"/>
+            <a:r>
+              <a:rPr kumimoji="1" lang="zh-CN" altLang="en-US" sz="1200" dirty="0">
+                <a:solidFill>
+                  <a:schemeClr val="tx1"/>
+                </a:solidFill>
+              </a:rPr>
+              <a:t>找到？</a:t>
+            </a:r>
+            <a:endParaRPr kumimoji="1" lang="en-US" sz="1200" dirty="0">
+              <a:solidFill>
+                <a:schemeClr val="tx1"/>
+              </a:solidFill>
+            </a:endParaRPr>
+          </a:p>
+        </p:txBody>
+      </p:sp>
+      <p:cxnSp>
+        <p:nvCxnSpPr>
+          <p:cNvPr id="38" name="肘形连接符 37">
+            <a:extLst>
+              <a:ext uri="{FF2B5EF4-FFF2-40B4-BE49-F238E27FC236}">
+                <a16:creationId xmlns:a16="http://schemas.microsoft.com/office/drawing/2014/main" id="{730988C6-ACCD-AE47-B864-D1E8B1B7176F}"/>
+              </a:ext>
+            </a:extLst>
+          </p:cNvPr>
+          <p:cNvCxnSpPr>
+            <a:cxnSpLocks/>
+            <a:stCxn id="112" idx="1"/>
+            <a:endCxn id="33" idx="0"/>
+          </p:cNvCxnSpPr>
+          <p:nvPr/>
+        </p:nvCxnSpPr>
+        <p:spPr>
+          <a:xfrm rot="10800000" flipH="1">
+            <a:off x="7813774" y="1084182"/>
+            <a:ext cx="607864" cy="1122798"/>
+          </a:xfrm>
+          <a:prstGeom prst="bentConnector4">
+            <a:avLst>
+              <a:gd name="adj1" fmla="val -81366"/>
+              <a:gd name="adj2" fmla="val 120360"/>
+            </a:avLst>
+          </a:prstGeom>
+          <a:ln>
+            <a:tailEnd type="arrow"/>
+          </a:ln>
+        </p:spPr>
+        <p:style>
+          <a:lnRef idx="1">
+            <a:schemeClr val="accent1"/>
+          </a:lnRef>
+          <a:fillRef idx="0">
+            <a:schemeClr val="accent1"/>
+          </a:fillRef>
+          <a:effectRef idx="0">
+            <a:schemeClr val="accent1"/>
+          </a:effectRef>
+          <a:fontRef idx="minor">
+            <a:schemeClr val="tx1"/>
+          </a:fontRef>
+        </p:style>
+      </p:cxnSp>
+      <p:cxnSp>
+        <p:nvCxnSpPr>
+          <p:cNvPr id="42" name="直接箭头连接符 38">
+            <a:extLst>
+              <a:ext uri="{FF2B5EF4-FFF2-40B4-BE49-F238E27FC236}">
+                <a16:creationId xmlns:a16="http://schemas.microsoft.com/office/drawing/2014/main" id="{772D96BD-F98F-9040-B168-855E744EDE3C}"/>
+              </a:ext>
+            </a:extLst>
+          </p:cNvPr>
+          <p:cNvCxnSpPr>
+            <a:cxnSpLocks/>
+            <a:stCxn id="33" idx="2"/>
+            <a:endCxn id="36" idx="0"/>
+          </p:cNvCxnSpPr>
+          <p:nvPr/>
+        </p:nvCxnSpPr>
+        <p:spPr>
+          <a:xfrm>
+            <a:off x="8421638" y="1258431"/>
+            <a:ext cx="0" cy="220946"/>
+          </a:xfrm>
+          <a:prstGeom prst="straightConnector1">
+            <a:avLst/>
+          </a:prstGeom>
+          <a:ln>
+            <a:tailEnd type="arrow"/>
+          </a:ln>
+        </p:spPr>
+        <p:style>
+          <a:lnRef idx="1">
+            <a:schemeClr val="accent1"/>
+          </a:lnRef>
+          <a:fillRef idx="0">
+            <a:schemeClr val="accent1"/>
+          </a:fillRef>
+          <a:effectRef idx="0">
+            <a:schemeClr val="accent1"/>
+          </a:effectRef>
+          <a:fontRef idx="minor">
+            <a:schemeClr val="tx1"/>
+          </a:fontRef>
+        </p:style>
+      </p:cxnSp>
+      <p:sp>
+        <p:nvSpPr>
+          <p:cNvPr id="43" name="矩形 42">
+            <a:extLst>
+              <a:ext uri="{FF2B5EF4-FFF2-40B4-BE49-F238E27FC236}">
+                <a16:creationId xmlns:a16="http://schemas.microsoft.com/office/drawing/2014/main" id="{C7693209-465F-7D49-B559-5D1F5AA89DF2}"/>
+              </a:ext>
+            </a:extLst>
+          </p:cNvPr>
+          <p:cNvSpPr/>
+          <p:nvPr/>
+        </p:nvSpPr>
+        <p:spPr>
+          <a:xfrm>
+            <a:off x="8975565" y="2395559"/>
+            <a:ext cx="2297438" cy="174249"/>
+          </a:xfrm>
+          <a:prstGeom prst="rect">
+            <a:avLst/>
+          </a:prstGeom>
+          <a:noFill/>
+          <a:ln>
+            <a:prstDash val="solid"/>
+          </a:ln>
+        </p:spPr>
+        <p:style>
+          <a:lnRef idx="2">
+            <a:schemeClr val="accent1">
+              <a:shade val="50000"/>
+            </a:schemeClr>
+          </a:lnRef>
+          <a:fillRef idx="1">
+            <a:schemeClr val="accent1"/>
+          </a:fillRef>
+          <a:effectRef idx="0">
+            <a:schemeClr val="accent1"/>
+          </a:effectRef>
+          <a:fontRef idx="minor">
+            <a:schemeClr val="lt1"/>
+          </a:fontRef>
+        </p:style>
+        <p:txBody>
+          <a:bodyPr rtlCol="0" anchor="ctr"/>
+          <a:lstStyle/>
+          <a:p>
+            <a:pPr algn="ctr"/>
+            <a:r>
+              <a:rPr kumimoji="1" lang="zh-CN" altLang="en-US" sz="1200" dirty="0">
+                <a:solidFill>
+                  <a:schemeClr val="tx1"/>
+                </a:solidFill>
+              </a:rPr>
+              <a:t>返回前一个路径分量的</a:t>
+            </a:r>
+            <a:r>
+              <a:rPr kumimoji="1" lang="en-US" altLang="zh-CN" sz="1200" dirty="0" err="1">
+                <a:solidFill>
+                  <a:schemeClr val="tx1"/>
+                </a:solidFill>
+              </a:rPr>
+              <a:t>dentry</a:t>
+            </a:r>
+            <a:endParaRPr kumimoji="1" lang="zh-CN" sz="1200" dirty="0">
+              <a:solidFill>
+                <a:schemeClr val="tx1"/>
+              </a:solidFill>
+            </a:endParaRPr>
+          </a:p>
+        </p:txBody>
+      </p:sp>
+      <p:cxnSp>
+        <p:nvCxnSpPr>
+          <p:cNvPr id="44" name="肘形连接符 43">
+            <a:extLst>
+              <a:ext uri="{FF2B5EF4-FFF2-40B4-BE49-F238E27FC236}">
+                <a16:creationId xmlns:a16="http://schemas.microsoft.com/office/drawing/2014/main" id="{63E4EB1B-4F0A-A347-8B91-9966624B6AE3}"/>
+              </a:ext>
+            </a:extLst>
+          </p:cNvPr>
+          <p:cNvCxnSpPr>
+            <a:cxnSpLocks/>
+            <a:stCxn id="36" idx="3"/>
+            <a:endCxn id="43" idx="0"/>
+          </p:cNvCxnSpPr>
+          <p:nvPr/>
+        </p:nvCxnSpPr>
+        <p:spPr>
+          <a:xfrm>
+            <a:off x="9029502" y="1618404"/>
+            <a:ext cx="1094782" cy="777155"/>
+          </a:xfrm>
+          <a:prstGeom prst="bentConnector2">
+            <a:avLst/>
+          </a:prstGeom>
+          <a:ln>
+            <a:tailEnd type="arrow"/>
+          </a:ln>
+        </p:spPr>
+        <p:style>
+          <a:lnRef idx="1">
+            <a:schemeClr val="accent1"/>
+          </a:lnRef>
+          <a:fillRef idx="0">
+            <a:schemeClr val="accent1"/>
+          </a:fillRef>
+          <a:effectRef idx="0">
+            <a:schemeClr val="accent1"/>
+          </a:effectRef>
+          <a:fontRef idx="minor">
+            <a:schemeClr val="tx1"/>
+          </a:fontRef>
+        </p:style>
+      </p:cxnSp>
+      <p:cxnSp>
+        <p:nvCxnSpPr>
+          <p:cNvPr id="59" name="直接箭头连接符 38">
+            <a:extLst>
+              <a:ext uri="{FF2B5EF4-FFF2-40B4-BE49-F238E27FC236}">
+                <a16:creationId xmlns:a16="http://schemas.microsoft.com/office/drawing/2014/main" id="{EEC2DAE1-0CC4-AB4E-A78A-4E5D3266D845}"/>
+              </a:ext>
+            </a:extLst>
+          </p:cNvPr>
+          <p:cNvCxnSpPr>
+            <a:cxnSpLocks/>
+            <a:stCxn id="32" idx="2"/>
+            <a:endCxn id="33" idx="0"/>
+          </p:cNvCxnSpPr>
+          <p:nvPr/>
+        </p:nvCxnSpPr>
+        <p:spPr>
+          <a:xfrm>
+            <a:off x="8421638" y="751784"/>
+            <a:ext cx="0" cy="332398"/>
+          </a:xfrm>
+          <a:prstGeom prst="straightConnector1">
+            <a:avLst/>
+          </a:prstGeom>
+          <a:ln>
+            <a:tailEnd type="arrow"/>
+          </a:ln>
+        </p:spPr>
+        <p:style>
+          <a:lnRef idx="1">
+            <a:schemeClr val="accent1"/>
+          </a:lnRef>
+          <a:fillRef idx="0">
+            <a:schemeClr val="accent1"/>
+          </a:fillRef>
+          <a:effectRef idx="0">
+            <a:schemeClr val="accent1"/>
+          </a:effectRef>
+          <a:fontRef idx="minor">
+            <a:schemeClr val="tx1"/>
+          </a:fontRef>
+        </p:style>
+      </p:cxnSp>
+      <p:sp>
+        <p:nvSpPr>
+          <p:cNvPr id="60" name="矩形 59">
+            <a:extLst>
+              <a:ext uri="{FF2B5EF4-FFF2-40B4-BE49-F238E27FC236}">
+                <a16:creationId xmlns:a16="http://schemas.microsoft.com/office/drawing/2014/main" id="{31D9FDA7-1509-3A4A-B7DA-6FAE71C6303B}"/>
+              </a:ext>
+            </a:extLst>
+          </p:cNvPr>
+          <p:cNvSpPr/>
+          <p:nvPr/>
+        </p:nvSpPr>
+        <p:spPr>
+          <a:xfrm>
+            <a:off x="8970340" y="3170108"/>
+            <a:ext cx="2297438" cy="174249"/>
+          </a:xfrm>
+          <a:prstGeom prst="rect">
+            <a:avLst/>
+          </a:prstGeom>
+          <a:noFill/>
+          <a:ln>
+            <a:prstDash val="solid"/>
+          </a:ln>
+        </p:spPr>
+        <p:style>
+          <a:lnRef idx="2">
+            <a:schemeClr val="accent1">
+              <a:shade val="50000"/>
+            </a:schemeClr>
+          </a:lnRef>
+          <a:fillRef idx="1">
+            <a:schemeClr val="accent1"/>
+          </a:fillRef>
+          <a:effectRef idx="0">
+            <a:schemeClr val="accent1"/>
+          </a:effectRef>
+          <a:fontRef idx="minor">
+            <a:schemeClr val="lt1"/>
+          </a:fontRef>
+        </p:style>
+        <p:txBody>
+          <a:bodyPr rtlCol="0" anchor="ctr"/>
+          <a:lstStyle/>
+          <a:p>
+            <a:pPr algn="ctr"/>
+            <a:r>
+              <a:rPr kumimoji="1" lang="zh-CN" altLang="en-US" sz="1200" dirty="0">
+                <a:solidFill>
+                  <a:schemeClr val="tx1"/>
+                </a:solidFill>
+              </a:rPr>
+              <a:t>找到对应</a:t>
+            </a:r>
+            <a:r>
+              <a:rPr kumimoji="1" lang="en-US" altLang="zh-CN" sz="1200" dirty="0" err="1">
+                <a:solidFill>
+                  <a:schemeClr val="tx1"/>
+                </a:solidFill>
+              </a:rPr>
+              <a:t>inode</a:t>
+            </a:r>
+            <a:endParaRPr kumimoji="1" lang="zh-CN" sz="1200" dirty="0">
+              <a:solidFill>
+                <a:schemeClr val="tx1"/>
+              </a:solidFill>
+            </a:endParaRPr>
+          </a:p>
+        </p:txBody>
+      </p:sp>
+      <p:cxnSp>
+        <p:nvCxnSpPr>
+          <p:cNvPr id="61" name="直接箭头连接符 38">
+            <a:extLst>
+              <a:ext uri="{FF2B5EF4-FFF2-40B4-BE49-F238E27FC236}">
+                <a16:creationId xmlns:a16="http://schemas.microsoft.com/office/drawing/2014/main" id="{DA2C5E93-C846-7146-9A43-4F8934C77CC4}"/>
+              </a:ext>
+            </a:extLst>
+          </p:cNvPr>
+          <p:cNvCxnSpPr>
+            <a:cxnSpLocks/>
+            <a:stCxn id="43" idx="2"/>
+            <a:endCxn id="64" idx="0"/>
+          </p:cNvCxnSpPr>
+          <p:nvPr/>
+        </p:nvCxnSpPr>
+        <p:spPr>
+          <a:xfrm flipH="1">
+            <a:off x="10119059" y="2569808"/>
+            <a:ext cx="5225" cy="254122"/>
+          </a:xfrm>
+          <a:prstGeom prst="straightConnector1">
+            <a:avLst/>
+          </a:prstGeom>
+          <a:ln>
+            <a:tailEnd type="arrow"/>
+          </a:ln>
+        </p:spPr>
+        <p:style>
+          <a:lnRef idx="1">
+            <a:schemeClr val="accent1"/>
+          </a:lnRef>
+          <a:fillRef idx="0">
+            <a:schemeClr val="accent1"/>
+          </a:fillRef>
+          <a:effectRef idx="0">
+            <a:schemeClr val="accent1"/>
+          </a:effectRef>
+          <a:fontRef idx="minor">
+            <a:schemeClr val="tx1"/>
+          </a:fontRef>
+        </p:style>
+      </p:cxnSp>
+      <p:sp>
+        <p:nvSpPr>
+          <p:cNvPr id="62" name="矩形 61">
+            <a:extLst>
+              <a:ext uri="{FF2B5EF4-FFF2-40B4-BE49-F238E27FC236}">
+                <a16:creationId xmlns:a16="http://schemas.microsoft.com/office/drawing/2014/main" id="{F82F2809-D45E-D240-980D-73E8EB751D22}"/>
+              </a:ext>
+            </a:extLst>
+          </p:cNvPr>
+          <p:cNvSpPr/>
+          <p:nvPr/>
+        </p:nvSpPr>
+        <p:spPr>
+          <a:xfrm>
+            <a:off x="8970340" y="3526561"/>
+            <a:ext cx="2297438" cy="174249"/>
+          </a:xfrm>
+          <a:prstGeom prst="rect">
+            <a:avLst/>
+          </a:prstGeom>
+          <a:noFill/>
+          <a:ln>
+            <a:prstDash val="solid"/>
+          </a:ln>
+        </p:spPr>
+        <p:style>
+          <a:lnRef idx="2">
+            <a:schemeClr val="accent1">
+              <a:shade val="50000"/>
+            </a:schemeClr>
+          </a:lnRef>
+          <a:fillRef idx="1">
+            <a:schemeClr val="accent1"/>
+          </a:fillRef>
+          <a:effectRef idx="0">
+            <a:schemeClr val="accent1"/>
+          </a:effectRef>
+          <a:fontRef idx="minor">
+            <a:schemeClr val="lt1"/>
+          </a:fontRef>
+        </p:style>
+        <p:txBody>
+          <a:bodyPr rtlCol="0" anchor="ctr"/>
+          <a:lstStyle/>
+          <a:p>
+            <a:pPr algn="ctr"/>
+            <a:r>
+              <a:rPr kumimoji="1" lang="zh-CN" altLang="en-US" sz="1200" dirty="0">
+                <a:solidFill>
+                  <a:schemeClr val="tx1"/>
+                </a:solidFill>
+              </a:rPr>
+              <a:t>读取该目录文件</a:t>
+            </a:r>
+            <a:endParaRPr kumimoji="1" lang="zh-CN" sz="1200" dirty="0">
+              <a:solidFill>
+                <a:schemeClr val="tx1"/>
+              </a:solidFill>
+            </a:endParaRPr>
+          </a:p>
+        </p:txBody>
+      </p:sp>
+      <p:cxnSp>
+        <p:nvCxnSpPr>
+          <p:cNvPr id="63" name="直接箭头连接符 38">
+            <a:extLst>
+              <a:ext uri="{FF2B5EF4-FFF2-40B4-BE49-F238E27FC236}">
+                <a16:creationId xmlns:a16="http://schemas.microsoft.com/office/drawing/2014/main" id="{5A30B413-9846-FE4D-B291-2F493A2950CB}"/>
+              </a:ext>
+            </a:extLst>
+          </p:cNvPr>
+          <p:cNvCxnSpPr>
+            <a:cxnSpLocks/>
+            <a:stCxn id="60" idx="2"/>
+            <a:endCxn id="62" idx="0"/>
+          </p:cNvCxnSpPr>
+          <p:nvPr/>
+        </p:nvCxnSpPr>
+        <p:spPr>
+          <a:xfrm>
+            <a:off x="10119059" y="3344357"/>
+            <a:ext cx="0" cy="182204"/>
+          </a:xfrm>
+          <a:prstGeom prst="straightConnector1">
+            <a:avLst/>
+          </a:prstGeom>
+          <a:ln>
+            <a:tailEnd type="arrow"/>
+          </a:ln>
+        </p:spPr>
+        <p:style>
+          <a:lnRef idx="1">
+            <a:schemeClr val="accent1"/>
+          </a:lnRef>
+          <a:fillRef idx="0">
+            <a:schemeClr val="accent1"/>
+          </a:fillRef>
+          <a:effectRef idx="0">
+            <a:schemeClr val="accent1"/>
+          </a:effectRef>
+          <a:fontRef idx="minor">
+            <a:schemeClr val="tx1"/>
+          </a:fontRef>
+        </p:style>
+      </p:cxnSp>
+      <p:sp>
+        <p:nvSpPr>
+          <p:cNvPr id="64" name="矩形 63">
+            <a:extLst>
+              <a:ext uri="{FF2B5EF4-FFF2-40B4-BE49-F238E27FC236}">
+                <a16:creationId xmlns:a16="http://schemas.microsoft.com/office/drawing/2014/main" id="{80853CE0-0D1B-CF40-8EF0-20F493B04336}"/>
+              </a:ext>
+            </a:extLst>
+          </p:cNvPr>
+          <p:cNvSpPr/>
+          <p:nvPr/>
+        </p:nvSpPr>
+        <p:spPr>
+          <a:xfrm>
+            <a:off x="8970340" y="2823930"/>
+            <a:ext cx="2297438" cy="174249"/>
+          </a:xfrm>
+          <a:prstGeom prst="rect">
+            <a:avLst/>
+          </a:prstGeom>
+          <a:noFill/>
+          <a:ln>
+            <a:prstDash val="solid"/>
+          </a:ln>
+        </p:spPr>
+        <p:style>
+          <a:lnRef idx="2">
+            <a:schemeClr val="accent1">
+              <a:shade val="50000"/>
+            </a:schemeClr>
+          </a:lnRef>
+          <a:fillRef idx="1">
+            <a:schemeClr val="accent1"/>
+          </a:fillRef>
+          <a:effectRef idx="0">
+            <a:schemeClr val="accent1"/>
+          </a:effectRef>
+          <a:fontRef idx="minor">
+            <a:schemeClr val="lt1"/>
+          </a:fontRef>
+        </p:style>
+        <p:txBody>
+          <a:bodyPr rtlCol="0" anchor="ctr"/>
+          <a:lstStyle/>
+          <a:p>
+            <a:pPr algn="ctr"/>
+            <a:r>
+              <a:rPr kumimoji="1" lang="zh-CN" altLang="en-US" sz="1200" dirty="0">
+                <a:solidFill>
+                  <a:schemeClr val="tx1"/>
+                </a:solidFill>
+              </a:rPr>
+              <a:t>找下一个路径分量</a:t>
+            </a:r>
+            <a:endParaRPr kumimoji="1" lang="zh-CN" sz="1200" dirty="0">
+              <a:solidFill>
+                <a:schemeClr val="tx1"/>
+              </a:solidFill>
+            </a:endParaRPr>
+          </a:p>
+        </p:txBody>
+      </p:sp>
+      <p:cxnSp>
+        <p:nvCxnSpPr>
+          <p:cNvPr id="65" name="直接箭头连接符 38">
+            <a:extLst>
+              <a:ext uri="{FF2B5EF4-FFF2-40B4-BE49-F238E27FC236}">
+                <a16:creationId xmlns:a16="http://schemas.microsoft.com/office/drawing/2014/main" id="{0A6FCA88-BD6B-4943-96FC-3801F4A47A9C}"/>
+              </a:ext>
+            </a:extLst>
+          </p:cNvPr>
+          <p:cNvCxnSpPr>
+            <a:cxnSpLocks/>
+            <a:stCxn id="64" idx="2"/>
+            <a:endCxn id="60" idx="0"/>
+          </p:cNvCxnSpPr>
+          <p:nvPr/>
+        </p:nvCxnSpPr>
+        <p:spPr>
+          <a:xfrm>
+            <a:off x="10119059" y="2998179"/>
+            <a:ext cx="0" cy="171929"/>
+          </a:xfrm>
+          <a:prstGeom prst="straightConnector1">
+            <a:avLst/>
+          </a:prstGeom>
+          <a:ln>
+            <a:tailEnd type="arrow"/>
+          </a:ln>
+        </p:spPr>
+        <p:style>
+          <a:lnRef idx="1">
+            <a:schemeClr val="accent1"/>
+          </a:lnRef>
+          <a:fillRef idx="0">
+            <a:schemeClr val="accent1"/>
+          </a:fillRef>
+          <a:effectRef idx="0">
+            <a:schemeClr val="accent1"/>
+          </a:effectRef>
+          <a:fontRef idx="minor">
+            <a:schemeClr val="tx1"/>
+          </a:fontRef>
+        </p:style>
+      </p:cxnSp>
+      <p:sp>
+        <p:nvSpPr>
+          <p:cNvPr id="68" name="菱形 67">
+            <a:extLst>
+              <a:ext uri="{FF2B5EF4-FFF2-40B4-BE49-F238E27FC236}">
+                <a16:creationId xmlns:a16="http://schemas.microsoft.com/office/drawing/2014/main" id="{5DFA4F81-988E-2F40-B27C-8C8563F817BC}"/>
+              </a:ext>
+            </a:extLst>
+          </p:cNvPr>
+          <p:cNvSpPr/>
+          <p:nvPr/>
+        </p:nvSpPr>
+        <p:spPr>
+          <a:xfrm>
+            <a:off x="8970340" y="3878960"/>
+            <a:ext cx="2297438" cy="484035"/>
+          </a:xfrm>
+          <a:prstGeom prst="diamond">
+            <a:avLst/>
+          </a:prstGeom>
+          <a:noFill/>
+          <a:ln>
+            <a:prstDash val="solid"/>
+          </a:ln>
+        </p:spPr>
+        <p:style>
+          <a:lnRef idx="2">
+            <a:schemeClr val="accent1">
+              <a:shade val="50000"/>
+            </a:schemeClr>
+          </a:lnRef>
+          <a:fillRef idx="1">
+            <a:schemeClr val="accent1"/>
+          </a:fillRef>
+          <a:effectRef idx="0">
+            <a:schemeClr val="accent1"/>
+          </a:effectRef>
+          <a:fontRef idx="minor">
+            <a:schemeClr val="lt1"/>
+          </a:fontRef>
+        </p:style>
+        <p:txBody>
+          <a:bodyPr rtlCol="0" anchor="ctr"/>
+          <a:lstStyle/>
+          <a:p>
+            <a:pPr algn="ctr"/>
+            <a:r>
+              <a:rPr kumimoji="1" lang="zh-CN" altLang="en-US" sz="1200" dirty="0">
+                <a:solidFill>
+                  <a:schemeClr val="tx1"/>
+                </a:solidFill>
+              </a:rPr>
+              <a:t>字目录是否包含路径分量</a:t>
+            </a:r>
+          </a:p>
+        </p:txBody>
+      </p:sp>
+      <p:cxnSp>
+        <p:nvCxnSpPr>
+          <p:cNvPr id="69" name="直接箭头连接符 38">
+            <a:extLst>
+              <a:ext uri="{FF2B5EF4-FFF2-40B4-BE49-F238E27FC236}">
+                <a16:creationId xmlns:a16="http://schemas.microsoft.com/office/drawing/2014/main" id="{CE72C520-3EF8-9140-A01C-B108749DEA18}"/>
+              </a:ext>
+            </a:extLst>
+          </p:cNvPr>
+          <p:cNvCxnSpPr>
+            <a:cxnSpLocks/>
+            <a:stCxn id="62" idx="2"/>
+            <a:endCxn id="68" idx="0"/>
+          </p:cNvCxnSpPr>
+          <p:nvPr/>
+        </p:nvCxnSpPr>
+        <p:spPr>
+          <a:xfrm>
+            <a:off x="10119059" y="3700810"/>
+            <a:ext cx="0" cy="178150"/>
+          </a:xfrm>
+          <a:prstGeom prst="straightConnector1">
+            <a:avLst/>
+          </a:prstGeom>
+          <a:ln>
+            <a:tailEnd type="arrow"/>
+          </a:ln>
+        </p:spPr>
+        <p:style>
+          <a:lnRef idx="1">
+            <a:schemeClr val="accent1"/>
+          </a:lnRef>
+          <a:fillRef idx="0">
+            <a:schemeClr val="accent1"/>
+          </a:fillRef>
+          <a:effectRef idx="0">
+            <a:schemeClr val="accent1"/>
+          </a:effectRef>
+          <a:fontRef idx="minor">
+            <a:schemeClr val="tx1"/>
+          </a:fontRef>
+        </p:style>
+      </p:cxnSp>
+      <p:cxnSp>
+        <p:nvCxnSpPr>
+          <p:cNvPr id="76" name="肘形连接符 75">
+            <a:extLst>
+              <a:ext uri="{FF2B5EF4-FFF2-40B4-BE49-F238E27FC236}">
+                <a16:creationId xmlns:a16="http://schemas.microsoft.com/office/drawing/2014/main" id="{782DD762-67E3-F042-B72B-3207C9E28772}"/>
+              </a:ext>
+            </a:extLst>
+          </p:cNvPr>
+          <p:cNvCxnSpPr>
+            <a:cxnSpLocks/>
+            <a:stCxn id="94" idx="3"/>
+            <a:endCxn id="64" idx="0"/>
+          </p:cNvCxnSpPr>
+          <p:nvPr/>
+        </p:nvCxnSpPr>
+        <p:spPr>
+          <a:xfrm flipH="1" flipV="1">
+            <a:off x="10119059" y="2823930"/>
+            <a:ext cx="1009192" cy="1919244"/>
+          </a:xfrm>
+          <a:prstGeom prst="bentConnector4">
+            <a:avLst>
+              <a:gd name="adj1" fmla="val -36477"/>
+              <a:gd name="adj2" fmla="val 107093"/>
+            </a:avLst>
+          </a:prstGeom>
+          <a:ln>
+            <a:tailEnd type="arrow"/>
+          </a:ln>
+        </p:spPr>
+        <p:style>
+          <a:lnRef idx="1">
+            <a:schemeClr val="accent1"/>
+          </a:lnRef>
+          <a:fillRef idx="0">
+            <a:schemeClr val="accent1"/>
+          </a:fillRef>
+          <a:effectRef idx="0">
+            <a:schemeClr val="accent1"/>
+          </a:effectRef>
+          <a:fontRef idx="minor">
+            <a:schemeClr val="tx1"/>
+          </a:fontRef>
+        </p:style>
+      </p:cxnSp>
+      <p:sp>
+        <p:nvSpPr>
+          <p:cNvPr id="85" name="矩形 84">
+            <a:extLst>
+              <a:ext uri="{FF2B5EF4-FFF2-40B4-BE49-F238E27FC236}">
+                <a16:creationId xmlns:a16="http://schemas.microsoft.com/office/drawing/2014/main" id="{E422A3E0-5595-2248-9E67-63764095E1FD}"/>
+              </a:ext>
+            </a:extLst>
+          </p:cNvPr>
+          <p:cNvSpPr/>
+          <p:nvPr/>
+        </p:nvSpPr>
+        <p:spPr>
+          <a:xfrm>
+            <a:off x="8806814" y="4657411"/>
+            <a:ext cx="951574" cy="258991"/>
+          </a:xfrm>
+          <a:prstGeom prst="rect">
+            <a:avLst/>
+          </a:prstGeom>
+          <a:noFill/>
+          <a:ln>
+            <a:prstDash val="solid"/>
+          </a:ln>
+        </p:spPr>
+        <p:style>
+          <a:lnRef idx="2">
+            <a:schemeClr val="accent1">
+              <a:shade val="50000"/>
+            </a:schemeClr>
+          </a:lnRef>
+          <a:fillRef idx="1">
+            <a:schemeClr val="accent1"/>
+          </a:fillRef>
+          <a:effectRef idx="0">
+            <a:schemeClr val="accent1"/>
+          </a:effectRef>
+          <a:fontRef idx="minor">
+            <a:schemeClr val="lt1"/>
+          </a:fontRef>
+        </p:style>
+        <p:txBody>
+          <a:bodyPr rtlCol="0" anchor="ctr"/>
+          <a:lstStyle/>
+          <a:p>
+            <a:pPr algn="ctr"/>
+            <a:r>
+              <a:rPr kumimoji="1" lang="zh-CN" altLang="en-US" sz="1200" dirty="0">
+                <a:solidFill>
+                  <a:schemeClr val="tx1"/>
+                </a:solidFill>
+              </a:rPr>
+              <a:t>返回失败</a:t>
+            </a:r>
+            <a:endParaRPr kumimoji="1" lang="zh-CN" sz="1200" dirty="0">
+              <a:solidFill>
+                <a:schemeClr val="tx1"/>
+              </a:solidFill>
+            </a:endParaRPr>
+          </a:p>
+        </p:txBody>
+      </p:sp>
+      <p:cxnSp>
+        <p:nvCxnSpPr>
+          <p:cNvPr id="86" name="肘形连接符 85">
+            <a:extLst>
+              <a:ext uri="{FF2B5EF4-FFF2-40B4-BE49-F238E27FC236}">
+                <a16:creationId xmlns:a16="http://schemas.microsoft.com/office/drawing/2014/main" id="{D65A20CB-2E2F-FF48-9458-FFCC84045862}"/>
+              </a:ext>
+            </a:extLst>
+          </p:cNvPr>
+          <p:cNvCxnSpPr>
+            <a:cxnSpLocks/>
+            <a:stCxn id="68" idx="1"/>
+            <a:endCxn id="85" idx="0"/>
+          </p:cNvCxnSpPr>
+          <p:nvPr/>
+        </p:nvCxnSpPr>
+        <p:spPr>
+          <a:xfrm rot="10800000" flipH="1" flipV="1">
+            <a:off x="8970339" y="4120977"/>
+            <a:ext cx="312261" cy="536433"/>
+          </a:xfrm>
+          <a:prstGeom prst="bentConnector4">
+            <a:avLst>
+              <a:gd name="adj1" fmla="val -73208"/>
+              <a:gd name="adj2" fmla="val 72558"/>
+            </a:avLst>
+          </a:prstGeom>
+          <a:ln>
+            <a:tailEnd type="arrow"/>
+          </a:ln>
+        </p:spPr>
+        <p:style>
+          <a:lnRef idx="1">
+            <a:schemeClr val="accent1"/>
+          </a:lnRef>
+          <a:fillRef idx="0">
+            <a:schemeClr val="accent1"/>
+          </a:fillRef>
+          <a:effectRef idx="0">
+            <a:schemeClr val="accent1"/>
+          </a:effectRef>
+          <a:fontRef idx="minor">
+            <a:schemeClr val="tx1"/>
+          </a:fontRef>
+        </p:style>
+      </p:cxnSp>
+      <p:sp>
+        <p:nvSpPr>
+          <p:cNvPr id="94" name="菱形 93">
+            <a:extLst>
+              <a:ext uri="{FF2B5EF4-FFF2-40B4-BE49-F238E27FC236}">
+                <a16:creationId xmlns:a16="http://schemas.microsoft.com/office/drawing/2014/main" id="{63CF402E-A356-1B46-BDFE-549365ED60B3}"/>
+              </a:ext>
+            </a:extLst>
+          </p:cNvPr>
+          <p:cNvSpPr/>
+          <p:nvPr/>
+        </p:nvSpPr>
+        <p:spPr>
+          <a:xfrm>
+            <a:off x="9912523" y="4604147"/>
+            <a:ext cx="1215728" cy="278054"/>
+          </a:xfrm>
+          <a:prstGeom prst="diamond">
+            <a:avLst/>
+          </a:prstGeom>
+          <a:noFill/>
+          <a:ln>
+            <a:prstDash val="solid"/>
+          </a:ln>
+        </p:spPr>
+        <p:style>
+          <a:lnRef idx="2">
+            <a:schemeClr val="accent1">
+              <a:shade val="50000"/>
+            </a:schemeClr>
+          </a:lnRef>
+          <a:fillRef idx="1">
+            <a:schemeClr val="accent1"/>
+          </a:fillRef>
+          <a:effectRef idx="0">
+            <a:schemeClr val="accent1"/>
+          </a:effectRef>
+          <a:fontRef idx="minor">
+            <a:schemeClr val="lt1"/>
+          </a:fontRef>
+        </p:style>
+        <p:txBody>
+          <a:bodyPr rtlCol="0" anchor="ctr"/>
+          <a:lstStyle/>
+          <a:p>
+            <a:pPr algn="ctr"/>
+            <a:r>
+              <a:rPr kumimoji="1" lang="zh-CN" altLang="en-US" sz="1200" dirty="0">
+                <a:solidFill>
+                  <a:schemeClr val="tx1"/>
+                </a:solidFill>
+              </a:rPr>
+              <a:t>结束？</a:t>
+            </a:r>
+            <a:endParaRPr kumimoji="1" lang="en-US" sz="1200" dirty="0">
+              <a:solidFill>
+                <a:schemeClr val="tx1"/>
+              </a:solidFill>
+            </a:endParaRPr>
+          </a:p>
+        </p:txBody>
+      </p:sp>
+      <p:sp>
+        <p:nvSpPr>
+          <p:cNvPr id="98" name="矩形 97">
+            <a:extLst>
+              <a:ext uri="{FF2B5EF4-FFF2-40B4-BE49-F238E27FC236}">
+                <a16:creationId xmlns:a16="http://schemas.microsoft.com/office/drawing/2014/main" id="{75D0938B-1E5D-4844-80D5-968E2CD8981C}"/>
+              </a:ext>
+            </a:extLst>
+          </p:cNvPr>
+          <p:cNvSpPr/>
+          <p:nvPr/>
+        </p:nvSpPr>
+        <p:spPr>
+          <a:xfrm>
+            <a:off x="9145733" y="5449256"/>
+            <a:ext cx="951574" cy="258991"/>
+          </a:xfrm>
+          <a:prstGeom prst="rect">
+            <a:avLst/>
+          </a:prstGeom>
+          <a:noFill/>
+          <a:ln>
+            <a:prstDash val="solid"/>
+          </a:ln>
+        </p:spPr>
+        <p:style>
+          <a:lnRef idx="2">
+            <a:schemeClr val="accent1">
+              <a:shade val="50000"/>
+            </a:schemeClr>
+          </a:lnRef>
+          <a:fillRef idx="1">
+            <a:schemeClr val="accent1"/>
+          </a:fillRef>
+          <a:effectRef idx="0">
+            <a:schemeClr val="accent1"/>
+          </a:effectRef>
+          <a:fontRef idx="minor">
+            <a:schemeClr val="lt1"/>
+          </a:fontRef>
+        </p:style>
+        <p:txBody>
+          <a:bodyPr rtlCol="0" anchor="ctr"/>
+          <a:lstStyle/>
+          <a:p>
+            <a:pPr algn="ctr"/>
+            <a:r>
+              <a:rPr kumimoji="1" lang="zh-CN" altLang="en-US" sz="1200" dirty="0">
+                <a:solidFill>
+                  <a:schemeClr val="tx1"/>
+                </a:solidFill>
+              </a:rPr>
+              <a:t>返回成功</a:t>
+            </a:r>
+            <a:endParaRPr kumimoji="1" lang="zh-CN" sz="1200" dirty="0">
+              <a:solidFill>
+                <a:schemeClr val="tx1"/>
+              </a:solidFill>
+            </a:endParaRPr>
+          </a:p>
+        </p:txBody>
+      </p:sp>
+      <p:cxnSp>
+        <p:nvCxnSpPr>
+          <p:cNvPr id="99" name="肘形连接符 98">
+            <a:extLst>
+              <a:ext uri="{FF2B5EF4-FFF2-40B4-BE49-F238E27FC236}">
+                <a16:creationId xmlns:a16="http://schemas.microsoft.com/office/drawing/2014/main" id="{357D84DB-F8D4-BD4D-BCD9-AE983EB95D67}"/>
+              </a:ext>
+            </a:extLst>
+          </p:cNvPr>
+          <p:cNvCxnSpPr>
+            <a:cxnSpLocks/>
+            <a:stCxn id="68" idx="2"/>
+            <a:endCxn id="94" idx="0"/>
+          </p:cNvCxnSpPr>
+          <p:nvPr/>
+        </p:nvCxnSpPr>
+        <p:spPr>
+          <a:xfrm rot="16200000" flipH="1">
+            <a:off x="10199147" y="4282907"/>
+            <a:ext cx="241152" cy="401328"/>
+          </a:xfrm>
+          <a:prstGeom prst="bentConnector3">
+            <a:avLst>
+              <a:gd name="adj1" fmla="val 50000"/>
+            </a:avLst>
+          </a:prstGeom>
+          <a:ln>
+            <a:tailEnd type="arrow"/>
+          </a:ln>
+        </p:spPr>
+        <p:style>
+          <a:lnRef idx="1">
+            <a:schemeClr val="accent1"/>
+          </a:lnRef>
+          <a:fillRef idx="0">
+            <a:schemeClr val="accent1"/>
+          </a:fillRef>
+          <a:effectRef idx="0">
+            <a:schemeClr val="accent1"/>
+          </a:effectRef>
+          <a:fontRef idx="minor">
+            <a:schemeClr val="tx1"/>
+          </a:fontRef>
+        </p:style>
+      </p:cxnSp>
+      <p:cxnSp>
+        <p:nvCxnSpPr>
+          <p:cNvPr id="102" name="肘形连接符 101">
+            <a:extLst>
+              <a:ext uri="{FF2B5EF4-FFF2-40B4-BE49-F238E27FC236}">
+                <a16:creationId xmlns:a16="http://schemas.microsoft.com/office/drawing/2014/main" id="{60698DA8-4722-454D-93AC-E7E660ECC81B}"/>
+              </a:ext>
+            </a:extLst>
+          </p:cNvPr>
+          <p:cNvCxnSpPr>
+            <a:cxnSpLocks/>
+            <a:stCxn id="94" idx="2"/>
+            <a:endCxn id="98" idx="0"/>
+          </p:cNvCxnSpPr>
+          <p:nvPr/>
+        </p:nvCxnSpPr>
+        <p:spPr>
+          <a:xfrm rot="5400000">
+            <a:off x="9787427" y="4716295"/>
+            <a:ext cx="567055" cy="898867"/>
+          </a:xfrm>
+          <a:prstGeom prst="bentConnector3">
+            <a:avLst>
+              <a:gd name="adj1" fmla="val 50000"/>
+            </a:avLst>
+          </a:prstGeom>
+          <a:ln>
+            <a:tailEnd type="arrow"/>
+          </a:ln>
+        </p:spPr>
+        <p:style>
+          <a:lnRef idx="1">
+            <a:schemeClr val="accent1"/>
+          </a:lnRef>
+          <a:fillRef idx="0">
+            <a:schemeClr val="accent1"/>
+          </a:fillRef>
+          <a:effectRef idx="0">
+            <a:schemeClr val="accent1"/>
+          </a:effectRef>
+          <a:fontRef idx="minor">
+            <a:schemeClr val="tx1"/>
+          </a:fontRef>
+        </p:style>
+      </p:cxnSp>
+      <p:sp>
+        <p:nvSpPr>
+          <p:cNvPr id="112" name="菱形 111">
+            <a:extLst>
+              <a:ext uri="{FF2B5EF4-FFF2-40B4-BE49-F238E27FC236}">
+                <a16:creationId xmlns:a16="http://schemas.microsoft.com/office/drawing/2014/main" id="{40ADF673-E483-224F-93CC-BA587C5CFECF}"/>
+              </a:ext>
+            </a:extLst>
+          </p:cNvPr>
+          <p:cNvSpPr/>
+          <p:nvPr/>
+        </p:nvSpPr>
+        <p:spPr>
+          <a:xfrm>
+            <a:off x="7813774" y="2067953"/>
+            <a:ext cx="1215728" cy="278054"/>
+          </a:xfrm>
+          <a:prstGeom prst="diamond">
+            <a:avLst/>
+          </a:prstGeom>
+          <a:noFill/>
+          <a:ln>
+            <a:prstDash val="solid"/>
+          </a:ln>
+        </p:spPr>
+        <p:style>
+          <a:lnRef idx="2">
+            <a:schemeClr val="accent1">
+              <a:shade val="50000"/>
+            </a:schemeClr>
+          </a:lnRef>
+          <a:fillRef idx="1">
+            <a:schemeClr val="accent1"/>
+          </a:fillRef>
+          <a:effectRef idx="0">
+            <a:schemeClr val="accent1"/>
+          </a:effectRef>
+          <a:fontRef idx="minor">
+            <a:schemeClr val="lt1"/>
+          </a:fontRef>
+        </p:style>
+        <p:txBody>
+          <a:bodyPr rtlCol="0" anchor="ctr"/>
+          <a:lstStyle/>
+          <a:p>
+            <a:pPr algn="ctr"/>
+            <a:r>
+              <a:rPr kumimoji="1" lang="zh-CN" altLang="en-US" sz="1200" dirty="0">
+                <a:solidFill>
+                  <a:schemeClr val="tx1"/>
+                </a:solidFill>
+              </a:rPr>
+              <a:t>结束？</a:t>
+            </a:r>
+            <a:endParaRPr kumimoji="1" lang="en-US" sz="1200" dirty="0">
+              <a:solidFill>
+                <a:schemeClr val="tx1"/>
+              </a:solidFill>
+            </a:endParaRPr>
+          </a:p>
+        </p:txBody>
+      </p:sp>
+      <p:cxnSp>
+        <p:nvCxnSpPr>
+          <p:cNvPr id="114" name="肘形连接符 113">
+            <a:extLst>
+              <a:ext uri="{FF2B5EF4-FFF2-40B4-BE49-F238E27FC236}">
+                <a16:creationId xmlns:a16="http://schemas.microsoft.com/office/drawing/2014/main" id="{95EC766B-32C1-5344-A1F2-B1F8591274C9}"/>
+              </a:ext>
+            </a:extLst>
+          </p:cNvPr>
+          <p:cNvCxnSpPr>
+            <a:cxnSpLocks/>
+            <a:stCxn id="112" idx="2"/>
+            <a:endCxn id="98" idx="0"/>
+          </p:cNvCxnSpPr>
+          <p:nvPr/>
+        </p:nvCxnSpPr>
+        <p:spPr>
+          <a:xfrm rot="16200000" flipH="1">
+            <a:off x="7469955" y="3297690"/>
+            <a:ext cx="3103249" cy="1199882"/>
+          </a:xfrm>
+          <a:prstGeom prst="bentConnector3">
+            <a:avLst>
+              <a:gd name="adj1" fmla="val 90723"/>
+            </a:avLst>
+          </a:prstGeom>
+          <a:ln>
+            <a:tailEnd type="arrow"/>
+          </a:ln>
+        </p:spPr>
+        <p:style>
+          <a:lnRef idx="1">
+            <a:schemeClr val="accent1"/>
+          </a:lnRef>
+          <a:fillRef idx="0">
+            <a:schemeClr val="accent1"/>
+          </a:fillRef>
+          <a:effectRef idx="0">
+            <a:schemeClr val="accent1"/>
+          </a:effectRef>
+          <a:fontRef idx="minor">
+            <a:schemeClr val="tx1"/>
+          </a:fontRef>
+        </p:style>
+      </p:cxnSp>
+      <p:cxnSp>
+        <p:nvCxnSpPr>
+          <p:cNvPr id="119" name="直接箭头连接符 38">
+            <a:extLst>
+              <a:ext uri="{FF2B5EF4-FFF2-40B4-BE49-F238E27FC236}">
+                <a16:creationId xmlns:a16="http://schemas.microsoft.com/office/drawing/2014/main" id="{E94AD9EA-CDD9-604F-87CE-6EE4C36D28E2}"/>
+              </a:ext>
+            </a:extLst>
+          </p:cNvPr>
+          <p:cNvCxnSpPr>
+            <a:cxnSpLocks/>
+            <a:stCxn id="36" idx="2"/>
+            <a:endCxn id="112" idx="0"/>
+          </p:cNvCxnSpPr>
+          <p:nvPr/>
+        </p:nvCxnSpPr>
+        <p:spPr>
+          <a:xfrm>
+            <a:off x="8421638" y="1757431"/>
+            <a:ext cx="0" cy="310522"/>
           </a:xfrm>
           <a:prstGeom prst="straightConnector1">
             <a:avLst/>

--- a/doc/fs.pptx
+++ b/doc/fs.pptx
@@ -18,6 +18,7 @@
     <p:sldId id="270" r:id="rId12"/>
     <p:sldId id="272" r:id="rId13"/>
     <p:sldId id="269" r:id="rId14"/>
+    <p:sldId id="274" r:id="rId15"/>
   </p:sldIdLst>
   <p:sldSz cx="12192000" cy="6858000"/>
   <p:notesSz cx="6858000" cy="9144000"/>
@@ -9627,7 +9628,7 @@
           <a:lstStyle/>
           <a:p>
             <a:r>
-              <a:rPr lang="en-US" altLang="zh-CN"/>
+              <a:rPr lang="en-US" altLang="zh-CN" dirty="0"/>
               <a:t>buffering</a:t>
             </a:r>
           </a:p>
@@ -11072,6 +11073,72 @@
         </p:txBody>
       </p:sp>
     </p:spTree>
+  </p:cSld>
+  <p:clrMapOvr>
+    <a:masterClrMapping/>
+  </p:clrMapOvr>
+</p:sld>
+</file>
+
+<file path=ppt/slides/slide14.xml><?xml version="1.0" encoding="utf-8"?>
+<p:sld xmlns:a="http://schemas.openxmlformats.org/drawingml/2006/main" xmlns:r="http://schemas.openxmlformats.org/officeDocument/2006/relationships" xmlns:p="http://schemas.openxmlformats.org/presentationml/2006/main">
+  <p:cSld>
+    <p:spTree>
+      <p:nvGrpSpPr>
+        <p:cNvPr id="1" name=""/>
+        <p:cNvGrpSpPr/>
+        <p:nvPr/>
+      </p:nvGrpSpPr>
+      <p:grpSpPr>
+        <a:xfrm>
+          <a:off x="0" y="0"/>
+          <a:ext cx="0" cy="0"/>
+          <a:chOff x="0" y="0"/>
+          <a:chExt cx="0" cy="0"/>
+        </a:xfrm>
+      </p:grpSpPr>
+      <p:sp>
+        <p:nvSpPr>
+          <p:cNvPr id="4" name="文本框 3">
+            <a:extLst>
+              <a:ext uri="{FF2B5EF4-FFF2-40B4-BE49-F238E27FC236}">
+                <a16:creationId xmlns:a16="http://schemas.microsoft.com/office/drawing/2014/main" id="{C663CD4D-1CC3-294F-91D3-AA42CECBD200}"/>
+              </a:ext>
+            </a:extLst>
+          </p:cNvPr>
+          <p:cNvSpPr txBox="1"/>
+          <p:nvPr/>
+        </p:nvSpPr>
+        <p:spPr>
+          <a:xfrm>
+            <a:off x="289353" y="227708"/>
+            <a:ext cx="8937625" cy="368300"/>
+          </a:xfrm>
+          <a:prstGeom prst="rect">
+            <a:avLst/>
+          </a:prstGeom>
+          <a:noFill/>
+        </p:spPr>
+        <p:txBody>
+          <a:bodyPr wrap="square" rtlCol="0">
+            <a:spAutoFit/>
+          </a:bodyPr>
+          <a:lstStyle/>
+          <a:p>
+            <a:r>
+              <a:rPr lang="zh-CN" altLang="en-US" dirty="0"/>
+              <a:t>硬件检测</a:t>
+            </a:r>
+            <a:endParaRPr lang="en-US" altLang="zh-CN" dirty="0"/>
+          </a:p>
+        </p:txBody>
+      </p:sp>
+    </p:spTree>
+    <p:extLst>
+      <p:ext uri="{BB962C8B-B14F-4D97-AF65-F5344CB8AC3E}">
+        <p14:creationId xmlns:p14="http://schemas.microsoft.com/office/powerpoint/2010/main" val="3808167660"/>
+      </p:ext>
+    </p:extLst>
   </p:cSld>
   <p:clrMapOvr>
     <a:masterClrMapping/>
